--- a/Documents/Esboco.pptx
+++ b/Documents/Esboco.pptx
@@ -296,7 +296,7 @@
             <a:fld id="{17074768-A26C-4270-8C2E-A4B81BFC9560}" type="datetimeFigureOut">
               <a:rPr lang="en-AU" smtClean="0"/>
               <a:pPr/>
-              <a:t>15/08/2015</a:t>
+              <a:t>24/08/2015</a:t>
             </a:fld>
             <a:endParaRPr lang="en-AU"/>
           </a:p>
@@ -463,7 +463,7 @@
             <a:fld id="{17074768-A26C-4270-8C2E-A4B81BFC9560}" type="datetimeFigureOut">
               <a:rPr lang="en-AU" smtClean="0"/>
               <a:pPr/>
-              <a:t>15/08/2015</a:t>
+              <a:t>24/08/2015</a:t>
             </a:fld>
             <a:endParaRPr lang="en-AU"/>
           </a:p>
@@ -640,7 +640,7 @@
             <a:fld id="{17074768-A26C-4270-8C2E-A4B81BFC9560}" type="datetimeFigureOut">
               <a:rPr lang="en-AU" smtClean="0"/>
               <a:pPr/>
-              <a:t>15/08/2015</a:t>
+              <a:t>24/08/2015</a:t>
             </a:fld>
             <a:endParaRPr lang="en-AU"/>
           </a:p>
@@ -807,7 +807,7 @@
             <a:fld id="{17074768-A26C-4270-8C2E-A4B81BFC9560}" type="datetimeFigureOut">
               <a:rPr lang="en-AU" smtClean="0"/>
               <a:pPr/>
-              <a:t>15/08/2015</a:t>
+              <a:t>24/08/2015</a:t>
             </a:fld>
             <a:endParaRPr lang="en-AU"/>
           </a:p>
@@ -1050,7 +1050,7 @@
             <a:fld id="{17074768-A26C-4270-8C2E-A4B81BFC9560}" type="datetimeFigureOut">
               <a:rPr lang="en-AU" smtClean="0"/>
               <a:pPr/>
-              <a:t>15/08/2015</a:t>
+              <a:t>24/08/2015</a:t>
             </a:fld>
             <a:endParaRPr lang="en-AU"/>
           </a:p>
@@ -1335,7 +1335,7 @@
             <a:fld id="{17074768-A26C-4270-8C2E-A4B81BFC9560}" type="datetimeFigureOut">
               <a:rPr lang="en-AU" smtClean="0"/>
               <a:pPr/>
-              <a:t>15/08/2015</a:t>
+              <a:t>24/08/2015</a:t>
             </a:fld>
             <a:endParaRPr lang="en-AU"/>
           </a:p>
@@ -1754,7 +1754,7 @@
             <a:fld id="{17074768-A26C-4270-8C2E-A4B81BFC9560}" type="datetimeFigureOut">
               <a:rPr lang="en-AU" smtClean="0"/>
               <a:pPr/>
-              <a:t>15/08/2015</a:t>
+              <a:t>24/08/2015</a:t>
             </a:fld>
             <a:endParaRPr lang="en-AU"/>
           </a:p>
@@ -1869,7 +1869,7 @@
             <a:fld id="{17074768-A26C-4270-8C2E-A4B81BFC9560}" type="datetimeFigureOut">
               <a:rPr lang="en-AU" smtClean="0"/>
               <a:pPr/>
-              <a:t>15/08/2015</a:t>
+              <a:t>24/08/2015</a:t>
             </a:fld>
             <a:endParaRPr lang="en-AU"/>
           </a:p>
@@ -1961,7 +1961,7 @@
             <a:fld id="{17074768-A26C-4270-8C2E-A4B81BFC9560}" type="datetimeFigureOut">
               <a:rPr lang="en-AU" smtClean="0"/>
               <a:pPr/>
-              <a:t>15/08/2015</a:t>
+              <a:t>24/08/2015</a:t>
             </a:fld>
             <a:endParaRPr lang="en-AU"/>
           </a:p>
@@ -2235,7 +2235,7 @@
             <a:fld id="{17074768-A26C-4270-8C2E-A4B81BFC9560}" type="datetimeFigureOut">
               <a:rPr lang="en-AU" smtClean="0"/>
               <a:pPr/>
-              <a:t>15/08/2015</a:t>
+              <a:t>24/08/2015</a:t>
             </a:fld>
             <a:endParaRPr lang="en-AU"/>
           </a:p>
@@ -2485,7 +2485,7 @@
             <a:fld id="{17074768-A26C-4270-8C2E-A4B81BFC9560}" type="datetimeFigureOut">
               <a:rPr lang="en-AU" smtClean="0"/>
               <a:pPr/>
-              <a:t>15/08/2015</a:t>
+              <a:t>24/08/2015</a:t>
             </a:fld>
             <a:endParaRPr lang="en-AU"/>
           </a:p>
@@ -2695,7 +2695,7 @@
             <a:fld id="{17074768-A26C-4270-8C2E-A4B81BFC9560}" type="datetimeFigureOut">
               <a:rPr lang="en-AU" smtClean="0"/>
               <a:pPr/>
-              <a:t>15/08/2015</a:t>
+              <a:t>24/08/2015</a:t>
             </a:fld>
             <a:endParaRPr lang="en-AU"/>
           </a:p>
@@ -3545,6 +3545,65 @@
       </p:grpSpPr>
       <p:sp>
         <p:nvSpPr>
+          <p:cNvPr id="4" name="Rounded Rectangular Callout 3"/>
+          <p:cNvSpPr/>
+          <p:nvPr/>
+        </p:nvSpPr>
+        <p:spPr>
+          <a:xfrm>
+            <a:off x="395536" y="1268760"/>
+            <a:ext cx="8568952" cy="4248472"/>
+          </a:xfrm>
+          <a:prstGeom prst="wedgeRoundRectCallout">
+            <a:avLst>
+              <a:gd name="adj1" fmla="val 673"/>
+              <a:gd name="adj2" fmla="val 64487"/>
+              <a:gd name="adj3" fmla="val 16667"/>
+            </a:avLst>
+          </a:prstGeom>
+          <a:solidFill>
+            <a:schemeClr val="tx1">
+              <a:lumMod val="95000"/>
+              <a:lumOff val="5000"/>
+              <a:alpha val="85000"/>
+            </a:schemeClr>
+          </a:solidFill>
+          <a:ln>
+            <a:solidFill>
+              <a:schemeClr val="tx1">
+                <a:lumMod val="65000"/>
+                <a:lumOff val="35000"/>
+              </a:schemeClr>
+            </a:solidFill>
+          </a:ln>
+        </p:spPr>
+        <p:style>
+          <a:lnRef idx="2">
+            <a:schemeClr val="accent1">
+              <a:shade val="50000"/>
+            </a:schemeClr>
+          </a:lnRef>
+          <a:fillRef idx="1">
+            <a:schemeClr val="accent1"/>
+          </a:fillRef>
+          <a:effectRef idx="0">
+            <a:schemeClr val="accent1"/>
+          </a:effectRef>
+          <a:fontRef idx="minor">
+            <a:schemeClr val="lt1"/>
+          </a:fontRef>
+        </p:style>
+        <p:txBody>
+          <a:bodyPr rtlCol="0" anchor="ctr"/>
+          <a:lstStyle/>
+          <a:p>
+            <a:pPr algn="ctr"/>
+            <a:endParaRPr lang="en-AU"/>
+          </a:p>
+        </p:txBody>
+      </p:sp>
+      <p:sp>
+        <p:nvSpPr>
           <p:cNvPr id="2" name="Title 1"/>
           <p:cNvSpPr txBox="1">
             <a:spLocks/>
@@ -3553,7 +3612,7 @@
         </p:nvSpPr>
         <p:spPr>
           <a:xfrm>
-            <a:off x="395536" y="1340768"/>
+            <a:off x="395536" y="1196752"/>
             <a:ext cx="8568952" cy="4176464"/>
           </a:xfrm>
           <a:prstGeom prst="rect">
@@ -3745,7 +3804,7 @@
         </p:nvCxnSpPr>
         <p:spPr>
           <a:xfrm>
-            <a:off x="467544" y="3645024"/>
+            <a:off x="467544" y="3501008"/>
             <a:ext cx="8299938" cy="0"/>
           </a:xfrm>
           <a:prstGeom prst="line">
@@ -3754,7 +3813,7 @@
           <a:ln w="114300" cmpd="dbl">
             <a:solidFill>
               <a:schemeClr val="bg1">
-                <a:lumMod val="95000"/>
+                <a:lumMod val="85000"/>
               </a:schemeClr>
             </a:solidFill>
           </a:ln>
@@ -3774,6 +3833,39 @@
           </a:fontRef>
         </p:style>
       </p:cxnSp>
+      <p:pic>
+        <p:nvPicPr>
+          <p:cNvPr id="1027" name="Picture 3"/>
+          <p:cNvPicPr>
+            <a:picLocks noChangeAspect="1" noChangeArrowheads="1"/>
+          </p:cNvPicPr>
+          <p:nvPr/>
+        </p:nvPicPr>
+        <p:blipFill>
+          <a:blip r:embed="rId2" cstate="print"/>
+          <a:srcRect/>
+          <a:stretch>
+            <a:fillRect/>
+          </a:stretch>
+        </p:blipFill>
+        <p:spPr bwMode="auto">
+          <a:xfrm>
+            <a:off x="-2196752" y="188640"/>
+            <a:ext cx="10766426" cy="5754687"/>
+          </a:xfrm>
+          <a:prstGeom prst="rect">
+            <a:avLst/>
+          </a:prstGeom>
+          <a:noFill/>
+          <a:ln w="9525">
+            <a:noFill/>
+            <a:miter lim="800000"/>
+            <a:headEnd/>
+            <a:tailEnd/>
+          </a:ln>
+          <a:effectLst/>
+        </p:spPr>
+      </p:pic>
     </p:spTree>
   </p:cSld>
   <p:clrMapOvr>

--- a/Documents/Esboco.pptx
+++ b/Documents/Esboco.pptx
@@ -4,6 +4,9 @@
   <p:sldMasterIdLst>
     <p:sldMasterId id="2147483648" r:id="rId1"/>
   </p:sldMasterIdLst>
+  <p:notesMasterIdLst>
+    <p:notesMasterId r:id="rId10"/>
+  </p:notesMasterIdLst>
   <p:sldIdLst>
     <p:sldId id="256" r:id="rId2"/>
     <p:sldId id="263" r:id="rId3"/>
@@ -112,6 +115,434 @@
     </a:lvl9pPr>
   </p:defaultTextStyle>
 </p:presentation>
+</file>
+
+<file path=ppt/notesMasters/notesMaster1.xml><?xml version="1.0" encoding="utf-8"?>
+<p:notesMaster xmlns:a="http://schemas.openxmlformats.org/drawingml/2006/main" xmlns:r="http://schemas.openxmlformats.org/officeDocument/2006/relationships" xmlns:p="http://schemas.openxmlformats.org/presentationml/2006/main">
+  <p:cSld>
+    <p:bg>
+      <p:bgRef idx="1001">
+        <a:schemeClr val="bg1"/>
+      </p:bgRef>
+    </p:bg>
+    <p:spTree>
+      <p:nvGrpSpPr>
+        <p:cNvPr id="1" name=""/>
+        <p:cNvGrpSpPr/>
+        <p:nvPr/>
+      </p:nvGrpSpPr>
+      <p:grpSpPr>
+        <a:xfrm>
+          <a:off x="0" y="0"/>
+          <a:ext cx="0" cy="0"/>
+          <a:chOff x="0" y="0"/>
+          <a:chExt cx="0" cy="0"/>
+        </a:xfrm>
+      </p:grpSpPr>
+      <p:sp>
+        <p:nvSpPr>
+          <p:cNvPr id="2" name="Header Placeholder 1"/>
+          <p:cNvSpPr>
+            <a:spLocks noGrp="1"/>
+          </p:cNvSpPr>
+          <p:nvPr>
+            <p:ph type="hdr" sz="quarter"/>
+          </p:nvPr>
+        </p:nvSpPr>
+        <p:spPr>
+          <a:xfrm>
+            <a:off x="0" y="0"/>
+            <a:ext cx="2971800" cy="457200"/>
+          </a:xfrm>
+          <a:prstGeom prst="rect">
+            <a:avLst/>
+          </a:prstGeom>
+        </p:spPr>
+        <p:txBody>
+          <a:bodyPr vert="horz" lIns="91440" tIns="45720" rIns="91440" bIns="45720" rtlCol="0"/>
+          <a:lstStyle>
+            <a:lvl1pPr algn="l">
+              <a:defRPr sz="1200"/>
+            </a:lvl1pPr>
+          </a:lstStyle>
+          <a:p>
+            <a:endParaRPr lang="en-AU"/>
+          </a:p>
+        </p:txBody>
+      </p:sp>
+      <p:sp>
+        <p:nvSpPr>
+          <p:cNvPr id="3" name="Date Placeholder 2"/>
+          <p:cNvSpPr>
+            <a:spLocks noGrp="1"/>
+          </p:cNvSpPr>
+          <p:nvPr>
+            <p:ph type="dt" idx="1"/>
+          </p:nvPr>
+        </p:nvSpPr>
+        <p:spPr>
+          <a:xfrm>
+            <a:off x="3884613" y="0"/>
+            <a:ext cx="2971800" cy="457200"/>
+          </a:xfrm>
+          <a:prstGeom prst="rect">
+            <a:avLst/>
+          </a:prstGeom>
+        </p:spPr>
+        <p:txBody>
+          <a:bodyPr vert="horz" lIns="91440" tIns="45720" rIns="91440" bIns="45720" rtlCol="0"/>
+          <a:lstStyle>
+            <a:lvl1pPr algn="r">
+              <a:defRPr sz="1200"/>
+            </a:lvl1pPr>
+          </a:lstStyle>
+          <a:p>
+            <a:fld id="{E9E0A30B-0D20-4D78-B86F-2645B8C967CD}" type="datetimeFigureOut">
+              <a:rPr lang="en-AU" smtClean="0"/>
+              <a:t>24/08/2015</a:t>
+            </a:fld>
+            <a:endParaRPr lang="en-AU"/>
+          </a:p>
+        </p:txBody>
+      </p:sp>
+      <p:sp>
+        <p:nvSpPr>
+          <p:cNvPr id="4" name="Slide Image Placeholder 3"/>
+          <p:cNvSpPr>
+            <a:spLocks noGrp="1" noRot="1" noChangeAspect="1"/>
+          </p:cNvSpPr>
+          <p:nvPr>
+            <p:ph type="sldImg" idx="2"/>
+          </p:nvPr>
+        </p:nvSpPr>
+        <p:spPr>
+          <a:xfrm>
+            <a:off x="1143000" y="685800"/>
+            <a:ext cx="4572000" cy="3429000"/>
+          </a:xfrm>
+          <a:prstGeom prst="rect">
+            <a:avLst/>
+          </a:prstGeom>
+          <a:noFill/>
+          <a:ln w="12700">
+            <a:solidFill>
+              <a:prstClr val="black"/>
+            </a:solidFill>
+          </a:ln>
+        </p:spPr>
+        <p:txBody>
+          <a:bodyPr vert="horz" lIns="91440" tIns="45720" rIns="91440" bIns="45720" rtlCol="0" anchor="ctr"/>
+          <a:lstStyle/>
+          <a:p>
+            <a:endParaRPr lang="en-AU"/>
+          </a:p>
+        </p:txBody>
+      </p:sp>
+      <p:sp>
+        <p:nvSpPr>
+          <p:cNvPr id="5" name="Notes Placeholder 4"/>
+          <p:cNvSpPr>
+            <a:spLocks noGrp="1"/>
+          </p:cNvSpPr>
+          <p:nvPr>
+            <p:ph type="body" sz="quarter" idx="3"/>
+          </p:nvPr>
+        </p:nvSpPr>
+        <p:spPr>
+          <a:xfrm>
+            <a:off x="685800" y="4343400"/>
+            <a:ext cx="5486400" cy="4114800"/>
+          </a:xfrm>
+          <a:prstGeom prst="rect">
+            <a:avLst/>
+          </a:prstGeom>
+        </p:spPr>
+        <p:txBody>
+          <a:bodyPr vert="horz" lIns="91440" tIns="45720" rIns="91440" bIns="45720" rtlCol="0">
+            <a:normAutofit/>
+          </a:bodyPr>
+          <a:lstStyle/>
+          <a:p>
+            <a:pPr lvl="0"/>
+            <a:r>
+              <a:rPr lang="en-US" smtClean="0"/>
+              <a:t>Click to edit Master text styles</a:t>
+            </a:r>
+          </a:p>
+          <a:p>
+            <a:pPr lvl="1"/>
+            <a:r>
+              <a:rPr lang="en-US" smtClean="0"/>
+              <a:t>Second level</a:t>
+            </a:r>
+          </a:p>
+          <a:p>
+            <a:pPr lvl="2"/>
+            <a:r>
+              <a:rPr lang="en-US" smtClean="0"/>
+              <a:t>Third level</a:t>
+            </a:r>
+          </a:p>
+          <a:p>
+            <a:pPr lvl="3"/>
+            <a:r>
+              <a:rPr lang="en-US" smtClean="0"/>
+              <a:t>Fourth level</a:t>
+            </a:r>
+          </a:p>
+          <a:p>
+            <a:pPr lvl="4"/>
+            <a:r>
+              <a:rPr lang="en-US" smtClean="0"/>
+              <a:t>Fifth level</a:t>
+            </a:r>
+            <a:endParaRPr lang="en-AU"/>
+          </a:p>
+        </p:txBody>
+      </p:sp>
+      <p:sp>
+        <p:nvSpPr>
+          <p:cNvPr id="6" name="Footer Placeholder 5"/>
+          <p:cNvSpPr>
+            <a:spLocks noGrp="1"/>
+          </p:cNvSpPr>
+          <p:nvPr>
+            <p:ph type="ftr" sz="quarter" idx="4"/>
+          </p:nvPr>
+        </p:nvSpPr>
+        <p:spPr>
+          <a:xfrm>
+            <a:off x="0" y="8685213"/>
+            <a:ext cx="2971800" cy="457200"/>
+          </a:xfrm>
+          <a:prstGeom prst="rect">
+            <a:avLst/>
+          </a:prstGeom>
+        </p:spPr>
+        <p:txBody>
+          <a:bodyPr vert="horz" lIns="91440" tIns="45720" rIns="91440" bIns="45720" rtlCol="0" anchor="b"/>
+          <a:lstStyle>
+            <a:lvl1pPr algn="l">
+              <a:defRPr sz="1200"/>
+            </a:lvl1pPr>
+          </a:lstStyle>
+          <a:p>
+            <a:endParaRPr lang="en-AU"/>
+          </a:p>
+        </p:txBody>
+      </p:sp>
+      <p:sp>
+        <p:nvSpPr>
+          <p:cNvPr id="7" name="Slide Number Placeholder 6"/>
+          <p:cNvSpPr>
+            <a:spLocks noGrp="1"/>
+          </p:cNvSpPr>
+          <p:nvPr>
+            <p:ph type="sldNum" sz="quarter" idx="5"/>
+          </p:nvPr>
+        </p:nvSpPr>
+        <p:spPr>
+          <a:xfrm>
+            <a:off x="3884613" y="8685213"/>
+            <a:ext cx="2971800" cy="457200"/>
+          </a:xfrm>
+          <a:prstGeom prst="rect">
+            <a:avLst/>
+          </a:prstGeom>
+        </p:spPr>
+        <p:txBody>
+          <a:bodyPr vert="horz" lIns="91440" tIns="45720" rIns="91440" bIns="45720" rtlCol="0" anchor="b"/>
+          <a:lstStyle>
+            <a:lvl1pPr algn="r">
+              <a:defRPr sz="1200"/>
+            </a:lvl1pPr>
+          </a:lstStyle>
+          <a:p>
+            <a:fld id="{432BDBBD-0A6A-40AF-A666-5CD0D94FF316}" type="slidenum">
+              <a:rPr lang="en-AU" smtClean="0"/>
+              <a:t>‹#›</a:t>
+            </a:fld>
+            <a:endParaRPr lang="en-AU"/>
+          </a:p>
+        </p:txBody>
+      </p:sp>
+    </p:spTree>
+  </p:cSld>
+  <p:clrMap bg1="lt1" tx1="dk1" bg2="lt2" tx2="dk2" accent1="accent1" accent2="accent2" accent3="accent3" accent4="accent4" accent5="accent5" accent6="accent6" hlink="hlink" folHlink="folHlink"/>
+  <p:notesStyle>
+    <a:lvl1pPr marL="0" algn="l" defTabSz="914400" rtl="0" eaLnBrk="1" latinLnBrk="0" hangingPunct="1">
+      <a:defRPr sz="1200" kern="1200">
+        <a:solidFill>
+          <a:schemeClr val="tx1"/>
+        </a:solidFill>
+        <a:latin typeface="+mn-lt"/>
+        <a:ea typeface="+mn-ea"/>
+        <a:cs typeface="+mn-cs"/>
+      </a:defRPr>
+    </a:lvl1pPr>
+    <a:lvl2pPr marL="457200" algn="l" defTabSz="914400" rtl="0" eaLnBrk="1" latinLnBrk="0" hangingPunct="1">
+      <a:defRPr sz="1200" kern="1200">
+        <a:solidFill>
+          <a:schemeClr val="tx1"/>
+        </a:solidFill>
+        <a:latin typeface="+mn-lt"/>
+        <a:ea typeface="+mn-ea"/>
+        <a:cs typeface="+mn-cs"/>
+      </a:defRPr>
+    </a:lvl2pPr>
+    <a:lvl3pPr marL="914400" algn="l" defTabSz="914400" rtl="0" eaLnBrk="1" latinLnBrk="0" hangingPunct="1">
+      <a:defRPr sz="1200" kern="1200">
+        <a:solidFill>
+          <a:schemeClr val="tx1"/>
+        </a:solidFill>
+        <a:latin typeface="+mn-lt"/>
+        <a:ea typeface="+mn-ea"/>
+        <a:cs typeface="+mn-cs"/>
+      </a:defRPr>
+    </a:lvl3pPr>
+    <a:lvl4pPr marL="1371600" algn="l" defTabSz="914400" rtl="0" eaLnBrk="1" latinLnBrk="0" hangingPunct="1">
+      <a:defRPr sz="1200" kern="1200">
+        <a:solidFill>
+          <a:schemeClr val="tx1"/>
+        </a:solidFill>
+        <a:latin typeface="+mn-lt"/>
+        <a:ea typeface="+mn-ea"/>
+        <a:cs typeface="+mn-cs"/>
+      </a:defRPr>
+    </a:lvl4pPr>
+    <a:lvl5pPr marL="1828800" algn="l" defTabSz="914400" rtl="0" eaLnBrk="1" latinLnBrk="0" hangingPunct="1">
+      <a:defRPr sz="1200" kern="1200">
+        <a:solidFill>
+          <a:schemeClr val="tx1"/>
+        </a:solidFill>
+        <a:latin typeface="+mn-lt"/>
+        <a:ea typeface="+mn-ea"/>
+        <a:cs typeface="+mn-cs"/>
+      </a:defRPr>
+    </a:lvl5pPr>
+    <a:lvl6pPr marL="2286000" algn="l" defTabSz="914400" rtl="0" eaLnBrk="1" latinLnBrk="0" hangingPunct="1">
+      <a:defRPr sz="1200" kern="1200">
+        <a:solidFill>
+          <a:schemeClr val="tx1"/>
+        </a:solidFill>
+        <a:latin typeface="+mn-lt"/>
+        <a:ea typeface="+mn-ea"/>
+        <a:cs typeface="+mn-cs"/>
+      </a:defRPr>
+    </a:lvl6pPr>
+    <a:lvl7pPr marL="2743200" algn="l" defTabSz="914400" rtl="0" eaLnBrk="1" latinLnBrk="0" hangingPunct="1">
+      <a:defRPr sz="1200" kern="1200">
+        <a:solidFill>
+          <a:schemeClr val="tx1"/>
+        </a:solidFill>
+        <a:latin typeface="+mn-lt"/>
+        <a:ea typeface="+mn-ea"/>
+        <a:cs typeface="+mn-cs"/>
+      </a:defRPr>
+    </a:lvl7pPr>
+    <a:lvl8pPr marL="3200400" algn="l" defTabSz="914400" rtl="0" eaLnBrk="1" latinLnBrk="0" hangingPunct="1">
+      <a:defRPr sz="1200" kern="1200">
+        <a:solidFill>
+          <a:schemeClr val="tx1"/>
+        </a:solidFill>
+        <a:latin typeface="+mn-lt"/>
+        <a:ea typeface="+mn-ea"/>
+        <a:cs typeface="+mn-cs"/>
+      </a:defRPr>
+    </a:lvl8pPr>
+    <a:lvl9pPr marL="3657600" algn="l" defTabSz="914400" rtl="0" eaLnBrk="1" latinLnBrk="0" hangingPunct="1">
+      <a:defRPr sz="1200" kern="1200">
+        <a:solidFill>
+          <a:schemeClr val="tx1"/>
+        </a:solidFill>
+        <a:latin typeface="+mn-lt"/>
+        <a:ea typeface="+mn-ea"/>
+        <a:cs typeface="+mn-cs"/>
+      </a:defRPr>
+    </a:lvl9pPr>
+  </p:notesStyle>
+</p:notesMaster>
+</file>
+
+<file path=ppt/notesSlides/notesSlide1.xml><?xml version="1.0" encoding="utf-8"?>
+<p:notes xmlns:a="http://schemas.openxmlformats.org/drawingml/2006/main" xmlns:r="http://schemas.openxmlformats.org/officeDocument/2006/relationships" xmlns:p="http://schemas.openxmlformats.org/presentationml/2006/main">
+  <p:cSld>
+    <p:spTree>
+      <p:nvGrpSpPr>
+        <p:cNvPr id="1" name=""/>
+        <p:cNvGrpSpPr/>
+        <p:nvPr/>
+      </p:nvGrpSpPr>
+      <p:grpSpPr>
+        <a:xfrm>
+          <a:off x="0" y="0"/>
+          <a:ext cx="0" cy="0"/>
+          <a:chOff x="0" y="0"/>
+          <a:chExt cx="0" cy="0"/>
+        </a:xfrm>
+      </p:grpSpPr>
+      <p:sp>
+        <p:nvSpPr>
+          <p:cNvPr id="2" name="Slide Image Placeholder 1"/>
+          <p:cNvSpPr>
+            <a:spLocks noGrp="1" noRot="1" noChangeAspect="1"/>
+          </p:cNvSpPr>
+          <p:nvPr>
+            <p:ph type="sldImg"/>
+          </p:nvPr>
+        </p:nvSpPr>
+        <p:spPr/>
+      </p:sp>
+      <p:sp>
+        <p:nvSpPr>
+          <p:cNvPr id="3" name="Notes Placeholder 2"/>
+          <p:cNvSpPr>
+            <a:spLocks noGrp="1"/>
+          </p:cNvSpPr>
+          <p:nvPr>
+            <p:ph type="body" idx="1"/>
+          </p:nvPr>
+        </p:nvSpPr>
+        <p:spPr/>
+        <p:txBody>
+          <a:bodyPr>
+            <a:normAutofit/>
+          </a:bodyPr>
+          <a:lstStyle/>
+          <a:p>
+            <a:endParaRPr lang="en-AU" dirty="0"/>
+          </a:p>
+        </p:txBody>
+      </p:sp>
+      <p:sp>
+        <p:nvSpPr>
+          <p:cNvPr id="4" name="Slide Number Placeholder 3"/>
+          <p:cNvSpPr>
+            <a:spLocks noGrp="1"/>
+          </p:cNvSpPr>
+          <p:nvPr>
+            <p:ph type="sldNum" sz="quarter" idx="10"/>
+          </p:nvPr>
+        </p:nvSpPr>
+        <p:spPr/>
+        <p:txBody>
+          <a:bodyPr/>
+          <a:lstStyle/>
+          <a:p>
+            <a:fld id="{432BDBBD-0A6A-40AF-A666-5CD0D94FF316}" type="slidenum">
+              <a:rPr lang="en-AU" smtClean="0"/>
+              <a:t>2</a:t>
+            </a:fld>
+            <a:endParaRPr lang="en-AU"/>
+          </a:p>
+        </p:txBody>
+      </p:sp>
+    </p:spTree>
+  </p:cSld>
+  <p:clrMapOvr>
+    <a:masterClrMapping/>
+  </p:clrMapOvr>
+</p:notes>
 </file>
 
 <file path=ppt/slideLayouts/slideLayout1.xml><?xml version="1.0" encoding="utf-8"?>
@@ -3565,7 +3996,7 @@
             <a:schemeClr val="tx1">
               <a:lumMod val="95000"/>
               <a:lumOff val="5000"/>
-              <a:alpha val="85000"/>
+              <a:alpha val="65000"/>
             </a:schemeClr>
           </a:solidFill>
           <a:ln>
@@ -3612,8 +4043,8 @@
         </p:nvSpPr>
         <p:spPr>
           <a:xfrm>
-            <a:off x="395536" y="1196752"/>
-            <a:ext cx="8568952" cy="4176464"/>
+            <a:off x="971600" y="1268760"/>
+            <a:ext cx="7416824" cy="4248472"/>
           </a:xfrm>
           <a:prstGeom prst="rect">
             <a:avLst/>
@@ -3643,7 +4074,7 @@
               <a:defRPr/>
             </a:pPr>
             <a:r>
-              <a:rPr kumimoji="0" lang="en-AU" sz="15000" b="1" i="0" u="none" strike="noStrike" kern="1200" cap="none" spc="0" normalizeH="0" baseline="0" noProof="0" dirty="0" smtClean="0">
+              <a:rPr kumimoji="0" lang="en-AU" sz="13000" b="1" i="0" u="none" strike="noStrike" kern="1200" cap="none" spc="0" normalizeH="0" baseline="0" noProof="0" dirty="0" smtClean="0">
                 <a:ln>
                   <a:noFill/>
                 </a:ln>
@@ -3668,14 +4099,12 @@
               <a:t>H</a:t>
             </a:r>
             <a:r>
-              <a:rPr kumimoji="0" lang="en-AU" sz="15000" i="0" u="none" strike="noStrike" kern="1200" cap="none" spc="0" normalizeH="0" baseline="0" noProof="0" dirty="0" smtClean="0">
+              <a:rPr kumimoji="0" lang="en-AU" sz="13000" i="0" u="none" strike="noStrike" kern="1200" cap="none" spc="0" normalizeH="0" baseline="0" noProof="0" dirty="0" smtClean="0">
                 <a:ln>
                   <a:noFill/>
                 </a:ln>
                 <a:solidFill>
-                  <a:schemeClr val="bg1">
-                    <a:lumMod val="95000"/>
-                  </a:schemeClr>
+                  <a:schemeClr val="bg1"/>
                 </a:solidFill>
                 <a:effectLst>
                   <a:outerShdw blurRad="38100" dist="38100" dir="2700000" algn="tl">
@@ -3693,7 +4122,7 @@
               <a:t>ighfield</a:t>
             </a:r>
             <a:r>
-              <a:rPr kumimoji="0" lang="en-AU" sz="15000" b="1" i="0" u="none" strike="noStrike" kern="1200" cap="none" spc="0" normalizeH="0" baseline="0" noProof="0" dirty="0" smtClean="0">
+              <a:rPr kumimoji="0" lang="en-AU" sz="13000" b="1" i="0" u="none" strike="noStrike" kern="1200" cap="none" spc="0" normalizeH="0" baseline="0" noProof="0" dirty="0" smtClean="0">
                 <a:ln>
                   <a:noFill/>
                 </a:ln>
@@ -3719,7 +4148,7 @@
               <a:t/>
             </a:r>
             <a:br>
-              <a:rPr kumimoji="0" lang="en-AU" sz="15000" b="1" i="0" u="none" strike="noStrike" kern="1200" cap="none" spc="0" normalizeH="0" baseline="0" noProof="0" dirty="0" smtClean="0">
+              <a:rPr kumimoji="0" lang="en-AU" sz="13000" b="1" i="0" u="none" strike="noStrike" kern="1200" cap="none" spc="0" normalizeH="0" baseline="0" noProof="0" dirty="0" smtClean="0">
                 <a:ln>
                   <a:noFill/>
                 </a:ln>
@@ -3744,7 +4173,7 @@
               </a:rPr>
             </a:br>
             <a:r>
-              <a:rPr kumimoji="0" lang="en-AU" sz="15000" b="1" i="0" u="none" strike="noStrike" kern="1200" cap="none" spc="0" normalizeH="0" baseline="0" noProof="0" dirty="0" smtClean="0">
+              <a:rPr kumimoji="0" lang="en-AU" sz="13000" b="1" i="0" u="none" strike="noStrike" kern="1200" cap="none" spc="0" normalizeH="0" baseline="0" noProof="0" dirty="0" smtClean="0">
                 <a:ln>
                   <a:noFill/>
                 </a:ln>
@@ -3769,14 +4198,12 @@
               <a:t>T</a:t>
             </a:r>
             <a:r>
-              <a:rPr kumimoji="0" lang="en-AU" sz="15000" i="0" u="none" strike="noStrike" kern="1200" cap="none" spc="0" normalizeH="0" baseline="0" noProof="0" dirty="0" smtClean="0">
+              <a:rPr kumimoji="0" lang="en-AU" sz="13000" i="0" u="none" strike="noStrike" kern="1200" cap="none" spc="0" normalizeH="0" baseline="0" noProof="0" dirty="0" smtClean="0">
                 <a:ln>
                   <a:noFill/>
                 </a:ln>
                 <a:solidFill>
-                  <a:schemeClr val="bg1">
-                    <a:lumMod val="95000"/>
-                  </a:schemeClr>
+                  <a:schemeClr val="bg1"/>
                 </a:solidFill>
                 <a:effectLst>
                   <a:outerShdw blurRad="38100" dist="38100" dir="2700000" algn="tl">
@@ -3804,8 +4231,8 @@
         </p:nvCxnSpPr>
         <p:spPr>
           <a:xfrm>
-            <a:off x="467544" y="3501008"/>
-            <a:ext cx="8299938" cy="0"/>
+            <a:off x="1187624" y="3573016"/>
+            <a:ext cx="7056784" cy="14068"/>
           </a:xfrm>
           <a:prstGeom prst="line">
             <a:avLst/>
@@ -3833,39 +4260,6 @@
           </a:fontRef>
         </p:style>
       </p:cxnSp>
-      <p:pic>
-        <p:nvPicPr>
-          <p:cNvPr id="1027" name="Picture 3"/>
-          <p:cNvPicPr>
-            <a:picLocks noChangeAspect="1" noChangeArrowheads="1"/>
-          </p:cNvPicPr>
-          <p:nvPr/>
-        </p:nvPicPr>
-        <p:blipFill>
-          <a:blip r:embed="rId2" cstate="print"/>
-          <a:srcRect/>
-          <a:stretch>
-            <a:fillRect/>
-          </a:stretch>
-        </p:blipFill>
-        <p:spPr bwMode="auto">
-          <a:xfrm>
-            <a:off x="-2196752" y="188640"/>
-            <a:ext cx="10766426" cy="5754687"/>
-          </a:xfrm>
-          <a:prstGeom prst="rect">
-            <a:avLst/>
-          </a:prstGeom>
-          <a:noFill/>
-          <a:ln w="9525">
-            <a:noFill/>
-            <a:miter lim="800000"/>
-            <a:headEnd/>
-            <a:tailEnd/>
-          </a:ln>
-          <a:effectLst/>
-        </p:spPr>
-      </p:pic>
     </p:spTree>
   </p:cSld>
   <p:clrMapOvr>
@@ -5468,4 +5862,287 @@
   <a:objectDefaults/>
   <a:extraClrSchemeLst/>
 </a:theme>
+</file>
+
+<file path=ppt/theme/theme2.xml><?xml version="1.0" encoding="utf-8"?>
+<a:theme xmlns:a="http://schemas.openxmlformats.org/drawingml/2006/main" name="Office Theme">
+  <a:themeElements>
+    <a:clrScheme name="Office">
+      <a:dk1>
+        <a:sysClr val="windowText" lastClr="000000"/>
+      </a:dk1>
+      <a:lt1>
+        <a:sysClr val="window" lastClr="FFFFFF"/>
+      </a:lt1>
+      <a:dk2>
+        <a:srgbClr val="1F497D"/>
+      </a:dk2>
+      <a:lt2>
+        <a:srgbClr val="EEECE1"/>
+      </a:lt2>
+      <a:accent1>
+        <a:srgbClr val="4F81BD"/>
+      </a:accent1>
+      <a:accent2>
+        <a:srgbClr val="C0504D"/>
+      </a:accent2>
+      <a:accent3>
+        <a:srgbClr val="9BBB59"/>
+      </a:accent3>
+      <a:accent4>
+        <a:srgbClr val="8064A2"/>
+      </a:accent4>
+      <a:accent5>
+        <a:srgbClr val="4BACC6"/>
+      </a:accent5>
+      <a:accent6>
+        <a:srgbClr val="F79646"/>
+      </a:accent6>
+      <a:hlink>
+        <a:srgbClr val="0000FF"/>
+      </a:hlink>
+      <a:folHlink>
+        <a:srgbClr val="800080"/>
+      </a:folHlink>
+    </a:clrScheme>
+    <a:fontScheme name="Office">
+      <a:majorFont>
+        <a:latin typeface="Calibri"/>
+        <a:ea typeface=""/>
+        <a:cs typeface=""/>
+        <a:font script="Jpan" typeface="ＭＳ Ｐゴシック"/>
+        <a:font script="Hang" typeface="맑은 고딕"/>
+        <a:font script="Hans" typeface="宋体"/>
+        <a:font script="Hant" typeface="新細明體"/>
+        <a:font script="Arab" typeface="Times New Roman"/>
+        <a:font script="Hebr" typeface="Times New Roman"/>
+        <a:font script="Thai" typeface="Angsana New"/>
+        <a:font script="Ethi" typeface="Nyala"/>
+        <a:font script="Beng" typeface="Vrinda"/>
+        <a:font script="Gujr" typeface="Shruti"/>
+        <a:font script="Khmr" typeface="MoolBoran"/>
+        <a:font script="Knda" typeface="Tunga"/>
+        <a:font script="Guru" typeface="Raavi"/>
+        <a:font script="Cans" typeface="Euphemia"/>
+        <a:font script="Cher" typeface="Plantagenet Cherokee"/>
+        <a:font script="Yiii" typeface="Microsoft Yi Baiti"/>
+        <a:font script="Tibt" typeface="Microsoft Himalaya"/>
+        <a:font script="Thaa" typeface="MV Boli"/>
+        <a:font script="Deva" typeface="Mangal"/>
+        <a:font script="Telu" typeface="Gautami"/>
+        <a:font script="Taml" typeface="Latha"/>
+        <a:font script="Syrc" typeface="Estrangelo Edessa"/>
+        <a:font script="Orya" typeface="Kalinga"/>
+        <a:font script="Mlym" typeface="Kartika"/>
+        <a:font script="Laoo" typeface="DokChampa"/>
+        <a:font script="Sinh" typeface="Iskoola Pota"/>
+        <a:font script="Mong" typeface="Mongolian Baiti"/>
+        <a:font script="Viet" typeface="Times New Roman"/>
+        <a:font script="Uigh" typeface="Microsoft Uighur"/>
+      </a:majorFont>
+      <a:minorFont>
+        <a:latin typeface="Calibri"/>
+        <a:ea typeface=""/>
+        <a:cs typeface=""/>
+        <a:font script="Jpan" typeface="ＭＳ Ｐゴシック"/>
+        <a:font script="Hang" typeface="맑은 고딕"/>
+        <a:font script="Hans" typeface="宋体"/>
+        <a:font script="Hant" typeface="新細明體"/>
+        <a:font script="Arab" typeface="Arial"/>
+        <a:font script="Hebr" typeface="Arial"/>
+        <a:font script="Thai" typeface="Cordia New"/>
+        <a:font script="Ethi" typeface="Nyala"/>
+        <a:font script="Beng" typeface="Vrinda"/>
+        <a:font script="Gujr" typeface="Shruti"/>
+        <a:font script="Khmr" typeface="DaunPenh"/>
+        <a:font script="Knda" typeface="Tunga"/>
+        <a:font script="Guru" typeface="Raavi"/>
+        <a:font script="Cans" typeface="Euphemia"/>
+        <a:font script="Cher" typeface="Plantagenet Cherokee"/>
+        <a:font script="Yiii" typeface="Microsoft Yi Baiti"/>
+        <a:font script="Tibt" typeface="Microsoft Himalaya"/>
+        <a:font script="Thaa" typeface="MV Boli"/>
+        <a:font script="Deva" typeface="Mangal"/>
+        <a:font script="Telu" typeface="Gautami"/>
+        <a:font script="Taml" typeface="Latha"/>
+        <a:font script="Syrc" typeface="Estrangelo Edessa"/>
+        <a:font script="Orya" typeface="Kalinga"/>
+        <a:font script="Mlym" typeface="Kartika"/>
+        <a:font script="Laoo" typeface="DokChampa"/>
+        <a:font script="Sinh" typeface="Iskoola Pota"/>
+        <a:font script="Mong" typeface="Mongolian Baiti"/>
+        <a:font script="Viet" typeface="Arial"/>
+        <a:font script="Uigh" typeface="Microsoft Uighur"/>
+      </a:minorFont>
+    </a:fontScheme>
+    <a:fmtScheme name="Office">
+      <a:fillStyleLst>
+        <a:solidFill>
+          <a:schemeClr val="phClr"/>
+        </a:solidFill>
+        <a:gradFill rotWithShape="1">
+          <a:gsLst>
+            <a:gs pos="0">
+              <a:schemeClr val="phClr">
+                <a:tint val="50000"/>
+                <a:satMod val="300000"/>
+              </a:schemeClr>
+            </a:gs>
+            <a:gs pos="35000">
+              <a:schemeClr val="phClr">
+                <a:tint val="37000"/>
+                <a:satMod val="300000"/>
+              </a:schemeClr>
+            </a:gs>
+            <a:gs pos="100000">
+              <a:schemeClr val="phClr">
+                <a:tint val="15000"/>
+                <a:satMod val="350000"/>
+              </a:schemeClr>
+            </a:gs>
+          </a:gsLst>
+          <a:lin ang="16200000" scaled="1"/>
+        </a:gradFill>
+        <a:gradFill rotWithShape="1">
+          <a:gsLst>
+            <a:gs pos="0">
+              <a:schemeClr val="phClr">
+                <a:shade val="51000"/>
+                <a:satMod val="130000"/>
+              </a:schemeClr>
+            </a:gs>
+            <a:gs pos="80000">
+              <a:schemeClr val="phClr">
+                <a:shade val="93000"/>
+                <a:satMod val="130000"/>
+              </a:schemeClr>
+            </a:gs>
+            <a:gs pos="100000">
+              <a:schemeClr val="phClr">
+                <a:shade val="94000"/>
+                <a:satMod val="135000"/>
+              </a:schemeClr>
+            </a:gs>
+          </a:gsLst>
+          <a:lin ang="16200000" scaled="0"/>
+        </a:gradFill>
+      </a:fillStyleLst>
+      <a:lnStyleLst>
+        <a:ln w="9525" cap="flat" cmpd="sng" algn="ctr">
+          <a:solidFill>
+            <a:schemeClr val="phClr">
+              <a:shade val="95000"/>
+              <a:satMod val="105000"/>
+            </a:schemeClr>
+          </a:solidFill>
+          <a:prstDash val="solid"/>
+        </a:ln>
+        <a:ln w="25400" cap="flat" cmpd="sng" algn="ctr">
+          <a:solidFill>
+            <a:schemeClr val="phClr"/>
+          </a:solidFill>
+          <a:prstDash val="solid"/>
+        </a:ln>
+        <a:ln w="38100" cap="flat" cmpd="sng" algn="ctr">
+          <a:solidFill>
+            <a:schemeClr val="phClr"/>
+          </a:solidFill>
+          <a:prstDash val="solid"/>
+        </a:ln>
+      </a:lnStyleLst>
+      <a:effectStyleLst>
+        <a:effectStyle>
+          <a:effectLst>
+            <a:outerShdw blurRad="40000" dist="20000" dir="5400000" rotWithShape="0">
+              <a:srgbClr val="000000">
+                <a:alpha val="38000"/>
+              </a:srgbClr>
+            </a:outerShdw>
+          </a:effectLst>
+        </a:effectStyle>
+        <a:effectStyle>
+          <a:effectLst>
+            <a:outerShdw blurRad="40000" dist="23000" dir="5400000" rotWithShape="0">
+              <a:srgbClr val="000000">
+                <a:alpha val="35000"/>
+              </a:srgbClr>
+            </a:outerShdw>
+          </a:effectLst>
+        </a:effectStyle>
+        <a:effectStyle>
+          <a:effectLst>
+            <a:outerShdw blurRad="40000" dist="23000" dir="5400000" rotWithShape="0">
+              <a:srgbClr val="000000">
+                <a:alpha val="35000"/>
+              </a:srgbClr>
+            </a:outerShdw>
+          </a:effectLst>
+          <a:scene3d>
+            <a:camera prst="orthographicFront">
+              <a:rot lat="0" lon="0" rev="0"/>
+            </a:camera>
+            <a:lightRig rig="threePt" dir="t">
+              <a:rot lat="0" lon="0" rev="1200000"/>
+            </a:lightRig>
+          </a:scene3d>
+          <a:sp3d>
+            <a:bevelT w="63500" h="25400"/>
+          </a:sp3d>
+        </a:effectStyle>
+      </a:effectStyleLst>
+      <a:bgFillStyleLst>
+        <a:solidFill>
+          <a:schemeClr val="phClr"/>
+        </a:solidFill>
+        <a:gradFill rotWithShape="1">
+          <a:gsLst>
+            <a:gs pos="0">
+              <a:schemeClr val="phClr">
+                <a:tint val="40000"/>
+                <a:satMod val="350000"/>
+              </a:schemeClr>
+            </a:gs>
+            <a:gs pos="40000">
+              <a:schemeClr val="phClr">
+                <a:tint val="45000"/>
+                <a:shade val="99000"/>
+                <a:satMod val="350000"/>
+              </a:schemeClr>
+            </a:gs>
+            <a:gs pos="100000">
+              <a:schemeClr val="phClr">
+                <a:shade val="20000"/>
+                <a:satMod val="255000"/>
+              </a:schemeClr>
+            </a:gs>
+          </a:gsLst>
+          <a:path path="circle">
+            <a:fillToRect l="50000" t="-80000" r="50000" b="180000"/>
+          </a:path>
+        </a:gradFill>
+        <a:gradFill rotWithShape="1">
+          <a:gsLst>
+            <a:gs pos="0">
+              <a:schemeClr val="phClr">
+                <a:tint val="80000"/>
+                <a:satMod val="300000"/>
+              </a:schemeClr>
+            </a:gs>
+            <a:gs pos="100000">
+              <a:schemeClr val="phClr">
+                <a:shade val="30000"/>
+                <a:satMod val="200000"/>
+              </a:schemeClr>
+            </a:gs>
+          </a:gsLst>
+          <a:path path="circle">
+            <a:fillToRect l="50000" t="50000" r="50000" b="50000"/>
+          </a:path>
+        </a:gradFill>
+      </a:bgFillStyleLst>
+    </a:fmtScheme>
+  </a:themeElements>
+  <a:objectDefaults/>
+  <a:extraClrSchemeLst/>
+</a:theme>
 </file>
--- a/Documents/Esboco.pptx
+++ b/Documents/Esboco.pptx
@@ -4,9 +4,6 @@
   <p:sldMasterIdLst>
     <p:sldMasterId id="2147483648" r:id="rId1"/>
   </p:sldMasterIdLst>
-  <p:notesMasterIdLst>
-    <p:notesMasterId r:id="rId10"/>
-  </p:notesMasterIdLst>
   <p:sldIdLst>
     <p:sldId id="256" r:id="rId2"/>
     <p:sldId id="263" r:id="rId3"/>
@@ -117,434 +114,6 @@
 </p:presentation>
 </file>
 
-<file path=ppt/notesMasters/notesMaster1.xml><?xml version="1.0" encoding="utf-8"?>
-<p:notesMaster xmlns:a="http://schemas.openxmlformats.org/drawingml/2006/main" xmlns:r="http://schemas.openxmlformats.org/officeDocument/2006/relationships" xmlns:p="http://schemas.openxmlformats.org/presentationml/2006/main">
-  <p:cSld>
-    <p:bg>
-      <p:bgRef idx="1001">
-        <a:schemeClr val="bg1"/>
-      </p:bgRef>
-    </p:bg>
-    <p:spTree>
-      <p:nvGrpSpPr>
-        <p:cNvPr id="1" name=""/>
-        <p:cNvGrpSpPr/>
-        <p:nvPr/>
-      </p:nvGrpSpPr>
-      <p:grpSpPr>
-        <a:xfrm>
-          <a:off x="0" y="0"/>
-          <a:ext cx="0" cy="0"/>
-          <a:chOff x="0" y="0"/>
-          <a:chExt cx="0" cy="0"/>
-        </a:xfrm>
-      </p:grpSpPr>
-      <p:sp>
-        <p:nvSpPr>
-          <p:cNvPr id="2" name="Header Placeholder 1"/>
-          <p:cNvSpPr>
-            <a:spLocks noGrp="1"/>
-          </p:cNvSpPr>
-          <p:nvPr>
-            <p:ph type="hdr" sz="quarter"/>
-          </p:nvPr>
-        </p:nvSpPr>
-        <p:spPr>
-          <a:xfrm>
-            <a:off x="0" y="0"/>
-            <a:ext cx="2971800" cy="457200"/>
-          </a:xfrm>
-          <a:prstGeom prst="rect">
-            <a:avLst/>
-          </a:prstGeom>
-        </p:spPr>
-        <p:txBody>
-          <a:bodyPr vert="horz" lIns="91440" tIns="45720" rIns="91440" bIns="45720" rtlCol="0"/>
-          <a:lstStyle>
-            <a:lvl1pPr algn="l">
-              <a:defRPr sz="1200"/>
-            </a:lvl1pPr>
-          </a:lstStyle>
-          <a:p>
-            <a:endParaRPr lang="en-AU"/>
-          </a:p>
-        </p:txBody>
-      </p:sp>
-      <p:sp>
-        <p:nvSpPr>
-          <p:cNvPr id="3" name="Date Placeholder 2"/>
-          <p:cNvSpPr>
-            <a:spLocks noGrp="1"/>
-          </p:cNvSpPr>
-          <p:nvPr>
-            <p:ph type="dt" idx="1"/>
-          </p:nvPr>
-        </p:nvSpPr>
-        <p:spPr>
-          <a:xfrm>
-            <a:off x="3884613" y="0"/>
-            <a:ext cx="2971800" cy="457200"/>
-          </a:xfrm>
-          <a:prstGeom prst="rect">
-            <a:avLst/>
-          </a:prstGeom>
-        </p:spPr>
-        <p:txBody>
-          <a:bodyPr vert="horz" lIns="91440" tIns="45720" rIns="91440" bIns="45720" rtlCol="0"/>
-          <a:lstStyle>
-            <a:lvl1pPr algn="r">
-              <a:defRPr sz="1200"/>
-            </a:lvl1pPr>
-          </a:lstStyle>
-          <a:p>
-            <a:fld id="{E9E0A30B-0D20-4D78-B86F-2645B8C967CD}" type="datetimeFigureOut">
-              <a:rPr lang="en-AU" smtClean="0"/>
-              <a:t>24/08/2015</a:t>
-            </a:fld>
-            <a:endParaRPr lang="en-AU"/>
-          </a:p>
-        </p:txBody>
-      </p:sp>
-      <p:sp>
-        <p:nvSpPr>
-          <p:cNvPr id="4" name="Slide Image Placeholder 3"/>
-          <p:cNvSpPr>
-            <a:spLocks noGrp="1" noRot="1" noChangeAspect="1"/>
-          </p:cNvSpPr>
-          <p:nvPr>
-            <p:ph type="sldImg" idx="2"/>
-          </p:nvPr>
-        </p:nvSpPr>
-        <p:spPr>
-          <a:xfrm>
-            <a:off x="1143000" y="685800"/>
-            <a:ext cx="4572000" cy="3429000"/>
-          </a:xfrm>
-          <a:prstGeom prst="rect">
-            <a:avLst/>
-          </a:prstGeom>
-          <a:noFill/>
-          <a:ln w="12700">
-            <a:solidFill>
-              <a:prstClr val="black"/>
-            </a:solidFill>
-          </a:ln>
-        </p:spPr>
-        <p:txBody>
-          <a:bodyPr vert="horz" lIns="91440" tIns="45720" rIns="91440" bIns="45720" rtlCol="0" anchor="ctr"/>
-          <a:lstStyle/>
-          <a:p>
-            <a:endParaRPr lang="en-AU"/>
-          </a:p>
-        </p:txBody>
-      </p:sp>
-      <p:sp>
-        <p:nvSpPr>
-          <p:cNvPr id="5" name="Notes Placeholder 4"/>
-          <p:cNvSpPr>
-            <a:spLocks noGrp="1"/>
-          </p:cNvSpPr>
-          <p:nvPr>
-            <p:ph type="body" sz="quarter" idx="3"/>
-          </p:nvPr>
-        </p:nvSpPr>
-        <p:spPr>
-          <a:xfrm>
-            <a:off x="685800" y="4343400"/>
-            <a:ext cx="5486400" cy="4114800"/>
-          </a:xfrm>
-          <a:prstGeom prst="rect">
-            <a:avLst/>
-          </a:prstGeom>
-        </p:spPr>
-        <p:txBody>
-          <a:bodyPr vert="horz" lIns="91440" tIns="45720" rIns="91440" bIns="45720" rtlCol="0">
-            <a:normAutofit/>
-          </a:bodyPr>
-          <a:lstStyle/>
-          <a:p>
-            <a:pPr lvl="0"/>
-            <a:r>
-              <a:rPr lang="en-US" smtClean="0"/>
-              <a:t>Click to edit Master text styles</a:t>
-            </a:r>
-          </a:p>
-          <a:p>
-            <a:pPr lvl="1"/>
-            <a:r>
-              <a:rPr lang="en-US" smtClean="0"/>
-              <a:t>Second level</a:t>
-            </a:r>
-          </a:p>
-          <a:p>
-            <a:pPr lvl="2"/>
-            <a:r>
-              <a:rPr lang="en-US" smtClean="0"/>
-              <a:t>Third level</a:t>
-            </a:r>
-          </a:p>
-          <a:p>
-            <a:pPr lvl="3"/>
-            <a:r>
-              <a:rPr lang="en-US" smtClean="0"/>
-              <a:t>Fourth level</a:t>
-            </a:r>
-          </a:p>
-          <a:p>
-            <a:pPr lvl="4"/>
-            <a:r>
-              <a:rPr lang="en-US" smtClean="0"/>
-              <a:t>Fifth level</a:t>
-            </a:r>
-            <a:endParaRPr lang="en-AU"/>
-          </a:p>
-        </p:txBody>
-      </p:sp>
-      <p:sp>
-        <p:nvSpPr>
-          <p:cNvPr id="6" name="Footer Placeholder 5"/>
-          <p:cNvSpPr>
-            <a:spLocks noGrp="1"/>
-          </p:cNvSpPr>
-          <p:nvPr>
-            <p:ph type="ftr" sz="quarter" idx="4"/>
-          </p:nvPr>
-        </p:nvSpPr>
-        <p:spPr>
-          <a:xfrm>
-            <a:off x="0" y="8685213"/>
-            <a:ext cx="2971800" cy="457200"/>
-          </a:xfrm>
-          <a:prstGeom prst="rect">
-            <a:avLst/>
-          </a:prstGeom>
-        </p:spPr>
-        <p:txBody>
-          <a:bodyPr vert="horz" lIns="91440" tIns="45720" rIns="91440" bIns="45720" rtlCol="0" anchor="b"/>
-          <a:lstStyle>
-            <a:lvl1pPr algn="l">
-              <a:defRPr sz="1200"/>
-            </a:lvl1pPr>
-          </a:lstStyle>
-          <a:p>
-            <a:endParaRPr lang="en-AU"/>
-          </a:p>
-        </p:txBody>
-      </p:sp>
-      <p:sp>
-        <p:nvSpPr>
-          <p:cNvPr id="7" name="Slide Number Placeholder 6"/>
-          <p:cNvSpPr>
-            <a:spLocks noGrp="1"/>
-          </p:cNvSpPr>
-          <p:nvPr>
-            <p:ph type="sldNum" sz="quarter" idx="5"/>
-          </p:nvPr>
-        </p:nvSpPr>
-        <p:spPr>
-          <a:xfrm>
-            <a:off x="3884613" y="8685213"/>
-            <a:ext cx="2971800" cy="457200"/>
-          </a:xfrm>
-          <a:prstGeom prst="rect">
-            <a:avLst/>
-          </a:prstGeom>
-        </p:spPr>
-        <p:txBody>
-          <a:bodyPr vert="horz" lIns="91440" tIns="45720" rIns="91440" bIns="45720" rtlCol="0" anchor="b"/>
-          <a:lstStyle>
-            <a:lvl1pPr algn="r">
-              <a:defRPr sz="1200"/>
-            </a:lvl1pPr>
-          </a:lstStyle>
-          <a:p>
-            <a:fld id="{432BDBBD-0A6A-40AF-A666-5CD0D94FF316}" type="slidenum">
-              <a:rPr lang="en-AU" smtClean="0"/>
-              <a:t>‹#›</a:t>
-            </a:fld>
-            <a:endParaRPr lang="en-AU"/>
-          </a:p>
-        </p:txBody>
-      </p:sp>
-    </p:spTree>
-  </p:cSld>
-  <p:clrMap bg1="lt1" tx1="dk1" bg2="lt2" tx2="dk2" accent1="accent1" accent2="accent2" accent3="accent3" accent4="accent4" accent5="accent5" accent6="accent6" hlink="hlink" folHlink="folHlink"/>
-  <p:notesStyle>
-    <a:lvl1pPr marL="0" algn="l" defTabSz="914400" rtl="0" eaLnBrk="1" latinLnBrk="0" hangingPunct="1">
-      <a:defRPr sz="1200" kern="1200">
-        <a:solidFill>
-          <a:schemeClr val="tx1"/>
-        </a:solidFill>
-        <a:latin typeface="+mn-lt"/>
-        <a:ea typeface="+mn-ea"/>
-        <a:cs typeface="+mn-cs"/>
-      </a:defRPr>
-    </a:lvl1pPr>
-    <a:lvl2pPr marL="457200" algn="l" defTabSz="914400" rtl="0" eaLnBrk="1" latinLnBrk="0" hangingPunct="1">
-      <a:defRPr sz="1200" kern="1200">
-        <a:solidFill>
-          <a:schemeClr val="tx1"/>
-        </a:solidFill>
-        <a:latin typeface="+mn-lt"/>
-        <a:ea typeface="+mn-ea"/>
-        <a:cs typeface="+mn-cs"/>
-      </a:defRPr>
-    </a:lvl2pPr>
-    <a:lvl3pPr marL="914400" algn="l" defTabSz="914400" rtl="0" eaLnBrk="1" latinLnBrk="0" hangingPunct="1">
-      <a:defRPr sz="1200" kern="1200">
-        <a:solidFill>
-          <a:schemeClr val="tx1"/>
-        </a:solidFill>
-        <a:latin typeface="+mn-lt"/>
-        <a:ea typeface="+mn-ea"/>
-        <a:cs typeface="+mn-cs"/>
-      </a:defRPr>
-    </a:lvl3pPr>
-    <a:lvl4pPr marL="1371600" algn="l" defTabSz="914400" rtl="0" eaLnBrk="1" latinLnBrk="0" hangingPunct="1">
-      <a:defRPr sz="1200" kern="1200">
-        <a:solidFill>
-          <a:schemeClr val="tx1"/>
-        </a:solidFill>
-        <a:latin typeface="+mn-lt"/>
-        <a:ea typeface="+mn-ea"/>
-        <a:cs typeface="+mn-cs"/>
-      </a:defRPr>
-    </a:lvl4pPr>
-    <a:lvl5pPr marL="1828800" algn="l" defTabSz="914400" rtl="0" eaLnBrk="1" latinLnBrk="0" hangingPunct="1">
-      <a:defRPr sz="1200" kern="1200">
-        <a:solidFill>
-          <a:schemeClr val="tx1"/>
-        </a:solidFill>
-        <a:latin typeface="+mn-lt"/>
-        <a:ea typeface="+mn-ea"/>
-        <a:cs typeface="+mn-cs"/>
-      </a:defRPr>
-    </a:lvl5pPr>
-    <a:lvl6pPr marL="2286000" algn="l" defTabSz="914400" rtl="0" eaLnBrk="1" latinLnBrk="0" hangingPunct="1">
-      <a:defRPr sz="1200" kern="1200">
-        <a:solidFill>
-          <a:schemeClr val="tx1"/>
-        </a:solidFill>
-        <a:latin typeface="+mn-lt"/>
-        <a:ea typeface="+mn-ea"/>
-        <a:cs typeface="+mn-cs"/>
-      </a:defRPr>
-    </a:lvl6pPr>
-    <a:lvl7pPr marL="2743200" algn="l" defTabSz="914400" rtl="0" eaLnBrk="1" latinLnBrk="0" hangingPunct="1">
-      <a:defRPr sz="1200" kern="1200">
-        <a:solidFill>
-          <a:schemeClr val="tx1"/>
-        </a:solidFill>
-        <a:latin typeface="+mn-lt"/>
-        <a:ea typeface="+mn-ea"/>
-        <a:cs typeface="+mn-cs"/>
-      </a:defRPr>
-    </a:lvl7pPr>
-    <a:lvl8pPr marL="3200400" algn="l" defTabSz="914400" rtl="0" eaLnBrk="1" latinLnBrk="0" hangingPunct="1">
-      <a:defRPr sz="1200" kern="1200">
-        <a:solidFill>
-          <a:schemeClr val="tx1"/>
-        </a:solidFill>
-        <a:latin typeface="+mn-lt"/>
-        <a:ea typeface="+mn-ea"/>
-        <a:cs typeface="+mn-cs"/>
-      </a:defRPr>
-    </a:lvl8pPr>
-    <a:lvl9pPr marL="3657600" algn="l" defTabSz="914400" rtl="0" eaLnBrk="1" latinLnBrk="0" hangingPunct="1">
-      <a:defRPr sz="1200" kern="1200">
-        <a:solidFill>
-          <a:schemeClr val="tx1"/>
-        </a:solidFill>
-        <a:latin typeface="+mn-lt"/>
-        <a:ea typeface="+mn-ea"/>
-        <a:cs typeface="+mn-cs"/>
-      </a:defRPr>
-    </a:lvl9pPr>
-  </p:notesStyle>
-</p:notesMaster>
-</file>
-
-<file path=ppt/notesSlides/notesSlide1.xml><?xml version="1.0" encoding="utf-8"?>
-<p:notes xmlns:a="http://schemas.openxmlformats.org/drawingml/2006/main" xmlns:r="http://schemas.openxmlformats.org/officeDocument/2006/relationships" xmlns:p="http://schemas.openxmlformats.org/presentationml/2006/main">
-  <p:cSld>
-    <p:spTree>
-      <p:nvGrpSpPr>
-        <p:cNvPr id="1" name=""/>
-        <p:cNvGrpSpPr/>
-        <p:nvPr/>
-      </p:nvGrpSpPr>
-      <p:grpSpPr>
-        <a:xfrm>
-          <a:off x="0" y="0"/>
-          <a:ext cx="0" cy="0"/>
-          <a:chOff x="0" y="0"/>
-          <a:chExt cx="0" cy="0"/>
-        </a:xfrm>
-      </p:grpSpPr>
-      <p:sp>
-        <p:nvSpPr>
-          <p:cNvPr id="2" name="Slide Image Placeholder 1"/>
-          <p:cNvSpPr>
-            <a:spLocks noGrp="1" noRot="1" noChangeAspect="1"/>
-          </p:cNvSpPr>
-          <p:nvPr>
-            <p:ph type="sldImg"/>
-          </p:nvPr>
-        </p:nvSpPr>
-        <p:spPr/>
-      </p:sp>
-      <p:sp>
-        <p:nvSpPr>
-          <p:cNvPr id="3" name="Notes Placeholder 2"/>
-          <p:cNvSpPr>
-            <a:spLocks noGrp="1"/>
-          </p:cNvSpPr>
-          <p:nvPr>
-            <p:ph type="body" idx="1"/>
-          </p:nvPr>
-        </p:nvSpPr>
-        <p:spPr/>
-        <p:txBody>
-          <a:bodyPr>
-            <a:normAutofit/>
-          </a:bodyPr>
-          <a:lstStyle/>
-          <a:p>
-            <a:endParaRPr lang="en-AU" dirty="0"/>
-          </a:p>
-        </p:txBody>
-      </p:sp>
-      <p:sp>
-        <p:nvSpPr>
-          <p:cNvPr id="4" name="Slide Number Placeholder 3"/>
-          <p:cNvSpPr>
-            <a:spLocks noGrp="1"/>
-          </p:cNvSpPr>
-          <p:nvPr>
-            <p:ph type="sldNum" sz="quarter" idx="10"/>
-          </p:nvPr>
-        </p:nvSpPr>
-        <p:spPr/>
-        <p:txBody>
-          <a:bodyPr/>
-          <a:lstStyle/>
-          <a:p>
-            <a:fld id="{432BDBBD-0A6A-40AF-A666-5CD0D94FF316}" type="slidenum">
-              <a:rPr lang="en-AU" smtClean="0"/>
-              <a:t>2</a:t>
-            </a:fld>
-            <a:endParaRPr lang="en-AU"/>
-          </a:p>
-        </p:txBody>
-      </p:sp>
-    </p:spTree>
-  </p:cSld>
-  <p:clrMapOvr>
-    <a:masterClrMapping/>
-  </p:clrMapOvr>
-</p:notes>
-</file>
-
 <file path=ppt/slideLayouts/slideLayout1.xml><?xml version="1.0" encoding="utf-8"?>
 <p:sldLayout xmlns:a="http://schemas.openxmlformats.org/drawingml/2006/main" xmlns:r="http://schemas.openxmlformats.org/officeDocument/2006/relationships" xmlns:p="http://schemas.openxmlformats.org/presentationml/2006/main" type="title" preserve="1">
   <p:cSld name="Title Slide">
@@ -727,7 +296,7 @@
             <a:fld id="{17074768-A26C-4270-8C2E-A4B81BFC9560}" type="datetimeFigureOut">
               <a:rPr lang="en-AU" smtClean="0"/>
               <a:pPr/>
-              <a:t>24/08/2015</a:t>
+              <a:t>15/08/2015</a:t>
             </a:fld>
             <a:endParaRPr lang="en-AU"/>
           </a:p>
@@ -894,7 +463,7 @@
             <a:fld id="{17074768-A26C-4270-8C2E-A4B81BFC9560}" type="datetimeFigureOut">
               <a:rPr lang="en-AU" smtClean="0"/>
               <a:pPr/>
-              <a:t>24/08/2015</a:t>
+              <a:t>15/08/2015</a:t>
             </a:fld>
             <a:endParaRPr lang="en-AU"/>
           </a:p>
@@ -1071,7 +640,7 @@
             <a:fld id="{17074768-A26C-4270-8C2E-A4B81BFC9560}" type="datetimeFigureOut">
               <a:rPr lang="en-AU" smtClean="0"/>
               <a:pPr/>
-              <a:t>24/08/2015</a:t>
+              <a:t>15/08/2015</a:t>
             </a:fld>
             <a:endParaRPr lang="en-AU"/>
           </a:p>
@@ -1238,7 +807,7 @@
             <a:fld id="{17074768-A26C-4270-8C2E-A4B81BFC9560}" type="datetimeFigureOut">
               <a:rPr lang="en-AU" smtClean="0"/>
               <a:pPr/>
-              <a:t>24/08/2015</a:t>
+              <a:t>15/08/2015</a:t>
             </a:fld>
             <a:endParaRPr lang="en-AU"/>
           </a:p>
@@ -1481,7 +1050,7 @@
             <a:fld id="{17074768-A26C-4270-8C2E-A4B81BFC9560}" type="datetimeFigureOut">
               <a:rPr lang="en-AU" smtClean="0"/>
               <a:pPr/>
-              <a:t>24/08/2015</a:t>
+              <a:t>15/08/2015</a:t>
             </a:fld>
             <a:endParaRPr lang="en-AU"/>
           </a:p>
@@ -1766,7 +1335,7 @@
             <a:fld id="{17074768-A26C-4270-8C2E-A4B81BFC9560}" type="datetimeFigureOut">
               <a:rPr lang="en-AU" smtClean="0"/>
               <a:pPr/>
-              <a:t>24/08/2015</a:t>
+              <a:t>15/08/2015</a:t>
             </a:fld>
             <a:endParaRPr lang="en-AU"/>
           </a:p>
@@ -2185,7 +1754,7 @@
             <a:fld id="{17074768-A26C-4270-8C2E-A4B81BFC9560}" type="datetimeFigureOut">
               <a:rPr lang="en-AU" smtClean="0"/>
               <a:pPr/>
-              <a:t>24/08/2015</a:t>
+              <a:t>15/08/2015</a:t>
             </a:fld>
             <a:endParaRPr lang="en-AU"/>
           </a:p>
@@ -2300,7 +1869,7 @@
             <a:fld id="{17074768-A26C-4270-8C2E-A4B81BFC9560}" type="datetimeFigureOut">
               <a:rPr lang="en-AU" smtClean="0"/>
               <a:pPr/>
-              <a:t>24/08/2015</a:t>
+              <a:t>15/08/2015</a:t>
             </a:fld>
             <a:endParaRPr lang="en-AU"/>
           </a:p>
@@ -2392,7 +1961,7 @@
             <a:fld id="{17074768-A26C-4270-8C2E-A4B81BFC9560}" type="datetimeFigureOut">
               <a:rPr lang="en-AU" smtClean="0"/>
               <a:pPr/>
-              <a:t>24/08/2015</a:t>
+              <a:t>15/08/2015</a:t>
             </a:fld>
             <a:endParaRPr lang="en-AU"/>
           </a:p>
@@ -2666,7 +2235,7 @@
             <a:fld id="{17074768-A26C-4270-8C2E-A4B81BFC9560}" type="datetimeFigureOut">
               <a:rPr lang="en-AU" smtClean="0"/>
               <a:pPr/>
-              <a:t>24/08/2015</a:t>
+              <a:t>15/08/2015</a:t>
             </a:fld>
             <a:endParaRPr lang="en-AU"/>
           </a:p>
@@ -2916,7 +2485,7 @@
             <a:fld id="{17074768-A26C-4270-8C2E-A4B81BFC9560}" type="datetimeFigureOut">
               <a:rPr lang="en-AU" smtClean="0"/>
               <a:pPr/>
-              <a:t>24/08/2015</a:t>
+              <a:t>15/08/2015</a:t>
             </a:fld>
             <a:endParaRPr lang="en-AU"/>
           </a:p>
@@ -3126,7 +2695,7 @@
             <a:fld id="{17074768-A26C-4270-8C2E-A4B81BFC9560}" type="datetimeFigureOut">
               <a:rPr lang="en-AU" smtClean="0"/>
               <a:pPr/>
-              <a:t>24/08/2015</a:t>
+              <a:t>15/08/2015</a:t>
             </a:fld>
             <a:endParaRPr lang="en-AU"/>
           </a:p>
@@ -3976,65 +3545,6 @@
       </p:grpSpPr>
       <p:sp>
         <p:nvSpPr>
-          <p:cNvPr id="4" name="Rounded Rectangular Callout 3"/>
-          <p:cNvSpPr/>
-          <p:nvPr/>
-        </p:nvSpPr>
-        <p:spPr>
-          <a:xfrm>
-            <a:off x="395536" y="1268760"/>
-            <a:ext cx="8568952" cy="4248472"/>
-          </a:xfrm>
-          <a:prstGeom prst="wedgeRoundRectCallout">
-            <a:avLst>
-              <a:gd name="adj1" fmla="val 673"/>
-              <a:gd name="adj2" fmla="val 64487"/>
-              <a:gd name="adj3" fmla="val 16667"/>
-            </a:avLst>
-          </a:prstGeom>
-          <a:solidFill>
-            <a:schemeClr val="tx1">
-              <a:lumMod val="95000"/>
-              <a:lumOff val="5000"/>
-              <a:alpha val="65000"/>
-            </a:schemeClr>
-          </a:solidFill>
-          <a:ln>
-            <a:solidFill>
-              <a:schemeClr val="tx1">
-                <a:lumMod val="65000"/>
-                <a:lumOff val="35000"/>
-              </a:schemeClr>
-            </a:solidFill>
-          </a:ln>
-        </p:spPr>
-        <p:style>
-          <a:lnRef idx="2">
-            <a:schemeClr val="accent1">
-              <a:shade val="50000"/>
-            </a:schemeClr>
-          </a:lnRef>
-          <a:fillRef idx="1">
-            <a:schemeClr val="accent1"/>
-          </a:fillRef>
-          <a:effectRef idx="0">
-            <a:schemeClr val="accent1"/>
-          </a:effectRef>
-          <a:fontRef idx="minor">
-            <a:schemeClr val="lt1"/>
-          </a:fontRef>
-        </p:style>
-        <p:txBody>
-          <a:bodyPr rtlCol="0" anchor="ctr"/>
-          <a:lstStyle/>
-          <a:p>
-            <a:pPr algn="ctr"/>
-            <a:endParaRPr lang="en-AU"/>
-          </a:p>
-        </p:txBody>
-      </p:sp>
-      <p:sp>
-        <p:nvSpPr>
           <p:cNvPr id="2" name="Title 1"/>
           <p:cNvSpPr txBox="1">
             <a:spLocks/>
@@ -4043,8 +3553,8 @@
         </p:nvSpPr>
         <p:spPr>
           <a:xfrm>
-            <a:off x="971600" y="1268760"/>
-            <a:ext cx="7416824" cy="4248472"/>
+            <a:off x="395536" y="1340768"/>
+            <a:ext cx="8568952" cy="4176464"/>
           </a:xfrm>
           <a:prstGeom prst="rect">
             <a:avLst/>
@@ -4074,7 +3584,7 @@
               <a:defRPr/>
             </a:pPr>
             <a:r>
-              <a:rPr kumimoji="0" lang="en-AU" sz="13000" b="1" i="0" u="none" strike="noStrike" kern="1200" cap="none" spc="0" normalizeH="0" baseline="0" noProof="0" dirty="0" smtClean="0">
+              <a:rPr kumimoji="0" lang="en-AU" sz="15000" b="1" i="0" u="none" strike="noStrike" kern="1200" cap="none" spc="0" normalizeH="0" baseline="0" noProof="0" dirty="0" smtClean="0">
                 <a:ln>
                   <a:noFill/>
                 </a:ln>
@@ -4099,12 +3609,14 @@
               <a:t>H</a:t>
             </a:r>
             <a:r>
-              <a:rPr kumimoji="0" lang="en-AU" sz="13000" i="0" u="none" strike="noStrike" kern="1200" cap="none" spc="0" normalizeH="0" baseline="0" noProof="0" dirty="0" smtClean="0">
+              <a:rPr kumimoji="0" lang="en-AU" sz="15000" i="0" u="none" strike="noStrike" kern="1200" cap="none" spc="0" normalizeH="0" baseline="0" noProof="0" dirty="0" smtClean="0">
                 <a:ln>
                   <a:noFill/>
                 </a:ln>
                 <a:solidFill>
-                  <a:schemeClr val="bg1"/>
+                  <a:schemeClr val="bg1">
+                    <a:lumMod val="95000"/>
+                  </a:schemeClr>
                 </a:solidFill>
                 <a:effectLst>
                   <a:outerShdw blurRad="38100" dist="38100" dir="2700000" algn="tl">
@@ -4122,7 +3634,7 @@
               <a:t>ighfield</a:t>
             </a:r>
             <a:r>
-              <a:rPr kumimoji="0" lang="en-AU" sz="13000" b="1" i="0" u="none" strike="noStrike" kern="1200" cap="none" spc="0" normalizeH="0" baseline="0" noProof="0" dirty="0" smtClean="0">
+              <a:rPr kumimoji="0" lang="en-AU" sz="15000" b="1" i="0" u="none" strike="noStrike" kern="1200" cap="none" spc="0" normalizeH="0" baseline="0" noProof="0" dirty="0" smtClean="0">
                 <a:ln>
                   <a:noFill/>
                 </a:ln>
@@ -4148,7 +3660,7 @@
               <a:t/>
             </a:r>
             <a:br>
-              <a:rPr kumimoji="0" lang="en-AU" sz="13000" b="1" i="0" u="none" strike="noStrike" kern="1200" cap="none" spc="0" normalizeH="0" baseline="0" noProof="0" dirty="0" smtClean="0">
+              <a:rPr kumimoji="0" lang="en-AU" sz="15000" b="1" i="0" u="none" strike="noStrike" kern="1200" cap="none" spc="0" normalizeH="0" baseline="0" noProof="0" dirty="0" smtClean="0">
                 <a:ln>
                   <a:noFill/>
                 </a:ln>
@@ -4173,7 +3685,7 @@
               </a:rPr>
             </a:br>
             <a:r>
-              <a:rPr kumimoji="0" lang="en-AU" sz="13000" b="1" i="0" u="none" strike="noStrike" kern="1200" cap="none" spc="0" normalizeH="0" baseline="0" noProof="0" dirty="0" smtClean="0">
+              <a:rPr kumimoji="0" lang="en-AU" sz="15000" b="1" i="0" u="none" strike="noStrike" kern="1200" cap="none" spc="0" normalizeH="0" baseline="0" noProof="0" dirty="0" smtClean="0">
                 <a:ln>
                   <a:noFill/>
                 </a:ln>
@@ -4198,12 +3710,14 @@
               <a:t>T</a:t>
             </a:r>
             <a:r>
-              <a:rPr kumimoji="0" lang="en-AU" sz="13000" i="0" u="none" strike="noStrike" kern="1200" cap="none" spc="0" normalizeH="0" baseline="0" noProof="0" dirty="0" smtClean="0">
+              <a:rPr kumimoji="0" lang="en-AU" sz="15000" i="0" u="none" strike="noStrike" kern="1200" cap="none" spc="0" normalizeH="0" baseline="0" noProof="0" dirty="0" smtClean="0">
                 <a:ln>
                   <a:noFill/>
                 </a:ln>
                 <a:solidFill>
-                  <a:schemeClr val="bg1"/>
+                  <a:schemeClr val="bg1">
+                    <a:lumMod val="95000"/>
+                  </a:schemeClr>
                 </a:solidFill>
                 <a:effectLst>
                   <a:outerShdw blurRad="38100" dist="38100" dir="2700000" algn="tl">
@@ -4231,8 +3745,8 @@
         </p:nvCxnSpPr>
         <p:spPr>
           <a:xfrm>
-            <a:off x="1187624" y="3573016"/>
-            <a:ext cx="7056784" cy="14068"/>
+            <a:off x="467544" y="3645024"/>
+            <a:ext cx="8299938" cy="0"/>
           </a:xfrm>
           <a:prstGeom prst="line">
             <a:avLst/>
@@ -4240,7 +3754,7 @@
           <a:ln w="114300" cmpd="dbl">
             <a:solidFill>
               <a:schemeClr val="bg1">
-                <a:lumMod val="85000"/>
+                <a:lumMod val="95000"/>
               </a:schemeClr>
             </a:solidFill>
           </a:ln>
@@ -5862,287 +5376,4 @@
   <a:objectDefaults/>
   <a:extraClrSchemeLst/>
 </a:theme>
-</file>
-
-<file path=ppt/theme/theme2.xml><?xml version="1.0" encoding="utf-8"?>
-<a:theme xmlns:a="http://schemas.openxmlformats.org/drawingml/2006/main" name="Office Theme">
-  <a:themeElements>
-    <a:clrScheme name="Office">
-      <a:dk1>
-        <a:sysClr val="windowText" lastClr="000000"/>
-      </a:dk1>
-      <a:lt1>
-        <a:sysClr val="window" lastClr="FFFFFF"/>
-      </a:lt1>
-      <a:dk2>
-        <a:srgbClr val="1F497D"/>
-      </a:dk2>
-      <a:lt2>
-        <a:srgbClr val="EEECE1"/>
-      </a:lt2>
-      <a:accent1>
-        <a:srgbClr val="4F81BD"/>
-      </a:accent1>
-      <a:accent2>
-        <a:srgbClr val="C0504D"/>
-      </a:accent2>
-      <a:accent3>
-        <a:srgbClr val="9BBB59"/>
-      </a:accent3>
-      <a:accent4>
-        <a:srgbClr val="8064A2"/>
-      </a:accent4>
-      <a:accent5>
-        <a:srgbClr val="4BACC6"/>
-      </a:accent5>
-      <a:accent6>
-        <a:srgbClr val="F79646"/>
-      </a:accent6>
-      <a:hlink>
-        <a:srgbClr val="0000FF"/>
-      </a:hlink>
-      <a:folHlink>
-        <a:srgbClr val="800080"/>
-      </a:folHlink>
-    </a:clrScheme>
-    <a:fontScheme name="Office">
-      <a:majorFont>
-        <a:latin typeface="Calibri"/>
-        <a:ea typeface=""/>
-        <a:cs typeface=""/>
-        <a:font script="Jpan" typeface="ＭＳ Ｐゴシック"/>
-        <a:font script="Hang" typeface="맑은 고딕"/>
-        <a:font script="Hans" typeface="宋体"/>
-        <a:font script="Hant" typeface="新細明體"/>
-        <a:font script="Arab" typeface="Times New Roman"/>
-        <a:font script="Hebr" typeface="Times New Roman"/>
-        <a:font script="Thai" typeface="Angsana New"/>
-        <a:font script="Ethi" typeface="Nyala"/>
-        <a:font script="Beng" typeface="Vrinda"/>
-        <a:font script="Gujr" typeface="Shruti"/>
-        <a:font script="Khmr" typeface="MoolBoran"/>
-        <a:font script="Knda" typeface="Tunga"/>
-        <a:font script="Guru" typeface="Raavi"/>
-        <a:font script="Cans" typeface="Euphemia"/>
-        <a:font script="Cher" typeface="Plantagenet Cherokee"/>
-        <a:font script="Yiii" typeface="Microsoft Yi Baiti"/>
-        <a:font script="Tibt" typeface="Microsoft Himalaya"/>
-        <a:font script="Thaa" typeface="MV Boli"/>
-        <a:font script="Deva" typeface="Mangal"/>
-        <a:font script="Telu" typeface="Gautami"/>
-        <a:font script="Taml" typeface="Latha"/>
-        <a:font script="Syrc" typeface="Estrangelo Edessa"/>
-        <a:font script="Orya" typeface="Kalinga"/>
-        <a:font script="Mlym" typeface="Kartika"/>
-        <a:font script="Laoo" typeface="DokChampa"/>
-        <a:font script="Sinh" typeface="Iskoola Pota"/>
-        <a:font script="Mong" typeface="Mongolian Baiti"/>
-        <a:font script="Viet" typeface="Times New Roman"/>
-        <a:font script="Uigh" typeface="Microsoft Uighur"/>
-      </a:majorFont>
-      <a:minorFont>
-        <a:latin typeface="Calibri"/>
-        <a:ea typeface=""/>
-        <a:cs typeface=""/>
-        <a:font script="Jpan" typeface="ＭＳ Ｐゴシック"/>
-        <a:font script="Hang" typeface="맑은 고딕"/>
-        <a:font script="Hans" typeface="宋体"/>
-        <a:font script="Hant" typeface="新細明體"/>
-        <a:font script="Arab" typeface="Arial"/>
-        <a:font script="Hebr" typeface="Arial"/>
-        <a:font script="Thai" typeface="Cordia New"/>
-        <a:font script="Ethi" typeface="Nyala"/>
-        <a:font script="Beng" typeface="Vrinda"/>
-        <a:font script="Gujr" typeface="Shruti"/>
-        <a:font script="Khmr" typeface="DaunPenh"/>
-        <a:font script="Knda" typeface="Tunga"/>
-        <a:font script="Guru" typeface="Raavi"/>
-        <a:font script="Cans" typeface="Euphemia"/>
-        <a:font script="Cher" typeface="Plantagenet Cherokee"/>
-        <a:font script="Yiii" typeface="Microsoft Yi Baiti"/>
-        <a:font script="Tibt" typeface="Microsoft Himalaya"/>
-        <a:font script="Thaa" typeface="MV Boli"/>
-        <a:font script="Deva" typeface="Mangal"/>
-        <a:font script="Telu" typeface="Gautami"/>
-        <a:font script="Taml" typeface="Latha"/>
-        <a:font script="Syrc" typeface="Estrangelo Edessa"/>
-        <a:font script="Orya" typeface="Kalinga"/>
-        <a:font script="Mlym" typeface="Kartika"/>
-        <a:font script="Laoo" typeface="DokChampa"/>
-        <a:font script="Sinh" typeface="Iskoola Pota"/>
-        <a:font script="Mong" typeface="Mongolian Baiti"/>
-        <a:font script="Viet" typeface="Arial"/>
-        <a:font script="Uigh" typeface="Microsoft Uighur"/>
-      </a:minorFont>
-    </a:fontScheme>
-    <a:fmtScheme name="Office">
-      <a:fillStyleLst>
-        <a:solidFill>
-          <a:schemeClr val="phClr"/>
-        </a:solidFill>
-        <a:gradFill rotWithShape="1">
-          <a:gsLst>
-            <a:gs pos="0">
-              <a:schemeClr val="phClr">
-                <a:tint val="50000"/>
-                <a:satMod val="300000"/>
-              </a:schemeClr>
-            </a:gs>
-            <a:gs pos="35000">
-              <a:schemeClr val="phClr">
-                <a:tint val="37000"/>
-                <a:satMod val="300000"/>
-              </a:schemeClr>
-            </a:gs>
-            <a:gs pos="100000">
-              <a:schemeClr val="phClr">
-                <a:tint val="15000"/>
-                <a:satMod val="350000"/>
-              </a:schemeClr>
-            </a:gs>
-          </a:gsLst>
-          <a:lin ang="16200000" scaled="1"/>
-        </a:gradFill>
-        <a:gradFill rotWithShape="1">
-          <a:gsLst>
-            <a:gs pos="0">
-              <a:schemeClr val="phClr">
-                <a:shade val="51000"/>
-                <a:satMod val="130000"/>
-              </a:schemeClr>
-            </a:gs>
-            <a:gs pos="80000">
-              <a:schemeClr val="phClr">
-                <a:shade val="93000"/>
-                <a:satMod val="130000"/>
-              </a:schemeClr>
-            </a:gs>
-            <a:gs pos="100000">
-              <a:schemeClr val="phClr">
-                <a:shade val="94000"/>
-                <a:satMod val="135000"/>
-              </a:schemeClr>
-            </a:gs>
-          </a:gsLst>
-          <a:lin ang="16200000" scaled="0"/>
-        </a:gradFill>
-      </a:fillStyleLst>
-      <a:lnStyleLst>
-        <a:ln w="9525" cap="flat" cmpd="sng" algn="ctr">
-          <a:solidFill>
-            <a:schemeClr val="phClr">
-              <a:shade val="95000"/>
-              <a:satMod val="105000"/>
-            </a:schemeClr>
-          </a:solidFill>
-          <a:prstDash val="solid"/>
-        </a:ln>
-        <a:ln w="25400" cap="flat" cmpd="sng" algn="ctr">
-          <a:solidFill>
-            <a:schemeClr val="phClr"/>
-          </a:solidFill>
-          <a:prstDash val="solid"/>
-        </a:ln>
-        <a:ln w="38100" cap="flat" cmpd="sng" algn="ctr">
-          <a:solidFill>
-            <a:schemeClr val="phClr"/>
-          </a:solidFill>
-          <a:prstDash val="solid"/>
-        </a:ln>
-      </a:lnStyleLst>
-      <a:effectStyleLst>
-        <a:effectStyle>
-          <a:effectLst>
-            <a:outerShdw blurRad="40000" dist="20000" dir="5400000" rotWithShape="0">
-              <a:srgbClr val="000000">
-                <a:alpha val="38000"/>
-              </a:srgbClr>
-            </a:outerShdw>
-          </a:effectLst>
-        </a:effectStyle>
-        <a:effectStyle>
-          <a:effectLst>
-            <a:outerShdw blurRad="40000" dist="23000" dir="5400000" rotWithShape="0">
-              <a:srgbClr val="000000">
-                <a:alpha val="35000"/>
-              </a:srgbClr>
-            </a:outerShdw>
-          </a:effectLst>
-        </a:effectStyle>
-        <a:effectStyle>
-          <a:effectLst>
-            <a:outerShdw blurRad="40000" dist="23000" dir="5400000" rotWithShape="0">
-              <a:srgbClr val="000000">
-                <a:alpha val="35000"/>
-              </a:srgbClr>
-            </a:outerShdw>
-          </a:effectLst>
-          <a:scene3d>
-            <a:camera prst="orthographicFront">
-              <a:rot lat="0" lon="0" rev="0"/>
-            </a:camera>
-            <a:lightRig rig="threePt" dir="t">
-              <a:rot lat="0" lon="0" rev="1200000"/>
-            </a:lightRig>
-          </a:scene3d>
-          <a:sp3d>
-            <a:bevelT w="63500" h="25400"/>
-          </a:sp3d>
-        </a:effectStyle>
-      </a:effectStyleLst>
-      <a:bgFillStyleLst>
-        <a:solidFill>
-          <a:schemeClr val="phClr"/>
-        </a:solidFill>
-        <a:gradFill rotWithShape="1">
-          <a:gsLst>
-            <a:gs pos="0">
-              <a:schemeClr val="phClr">
-                <a:tint val="40000"/>
-                <a:satMod val="350000"/>
-              </a:schemeClr>
-            </a:gs>
-            <a:gs pos="40000">
-              <a:schemeClr val="phClr">
-                <a:tint val="45000"/>
-                <a:shade val="99000"/>
-                <a:satMod val="350000"/>
-              </a:schemeClr>
-            </a:gs>
-            <a:gs pos="100000">
-              <a:schemeClr val="phClr">
-                <a:shade val="20000"/>
-                <a:satMod val="255000"/>
-              </a:schemeClr>
-            </a:gs>
-          </a:gsLst>
-          <a:path path="circle">
-            <a:fillToRect l="50000" t="-80000" r="50000" b="180000"/>
-          </a:path>
-        </a:gradFill>
-        <a:gradFill rotWithShape="1">
-          <a:gsLst>
-            <a:gs pos="0">
-              <a:schemeClr val="phClr">
-                <a:tint val="80000"/>
-                <a:satMod val="300000"/>
-              </a:schemeClr>
-            </a:gs>
-            <a:gs pos="100000">
-              <a:schemeClr val="phClr">
-                <a:shade val="30000"/>
-                <a:satMod val="200000"/>
-              </a:schemeClr>
-            </a:gs>
-          </a:gsLst>
-          <a:path path="circle">
-            <a:fillToRect l="50000" t="50000" r="50000" b="50000"/>
-          </a:path>
-        </a:gradFill>
-      </a:bgFillStyleLst>
-    </a:fmtScheme>
-  </a:themeElements>
-  <a:objectDefaults/>
-  <a:extraClrSchemeLst/>
-</a:theme>
 </file>
--- a/Documents/Esboco.pptx
+++ b/Documents/Esboco.pptx
@@ -4,6 +4,9 @@
   <p:sldMasterIdLst>
     <p:sldMasterId id="2147483648" r:id="rId1"/>
   </p:sldMasterIdLst>
+  <p:notesMasterIdLst>
+    <p:notesMasterId r:id="rId10"/>
+  </p:notesMasterIdLst>
   <p:sldIdLst>
     <p:sldId id="256" r:id="rId2"/>
     <p:sldId id="263" r:id="rId3"/>
@@ -114,6 +117,434 @@
 </p:presentation>
 </file>
 
+<file path=ppt/notesMasters/notesMaster1.xml><?xml version="1.0" encoding="utf-8"?>
+<p:notesMaster xmlns:a="http://schemas.openxmlformats.org/drawingml/2006/main" xmlns:r="http://schemas.openxmlformats.org/officeDocument/2006/relationships" xmlns:p="http://schemas.openxmlformats.org/presentationml/2006/main">
+  <p:cSld>
+    <p:bg>
+      <p:bgRef idx="1001">
+        <a:schemeClr val="bg1"/>
+      </p:bgRef>
+    </p:bg>
+    <p:spTree>
+      <p:nvGrpSpPr>
+        <p:cNvPr id="1" name=""/>
+        <p:cNvGrpSpPr/>
+        <p:nvPr/>
+      </p:nvGrpSpPr>
+      <p:grpSpPr>
+        <a:xfrm>
+          <a:off x="0" y="0"/>
+          <a:ext cx="0" cy="0"/>
+          <a:chOff x="0" y="0"/>
+          <a:chExt cx="0" cy="0"/>
+        </a:xfrm>
+      </p:grpSpPr>
+      <p:sp>
+        <p:nvSpPr>
+          <p:cNvPr id="2" name="Header Placeholder 1"/>
+          <p:cNvSpPr>
+            <a:spLocks noGrp="1"/>
+          </p:cNvSpPr>
+          <p:nvPr>
+            <p:ph type="hdr" sz="quarter"/>
+          </p:nvPr>
+        </p:nvSpPr>
+        <p:spPr>
+          <a:xfrm>
+            <a:off x="0" y="0"/>
+            <a:ext cx="2971800" cy="457200"/>
+          </a:xfrm>
+          <a:prstGeom prst="rect">
+            <a:avLst/>
+          </a:prstGeom>
+        </p:spPr>
+        <p:txBody>
+          <a:bodyPr vert="horz" lIns="91440" tIns="45720" rIns="91440" bIns="45720" rtlCol="0"/>
+          <a:lstStyle>
+            <a:lvl1pPr algn="l">
+              <a:defRPr sz="1200"/>
+            </a:lvl1pPr>
+          </a:lstStyle>
+          <a:p>
+            <a:endParaRPr lang="en-AU"/>
+          </a:p>
+        </p:txBody>
+      </p:sp>
+      <p:sp>
+        <p:nvSpPr>
+          <p:cNvPr id="3" name="Date Placeholder 2"/>
+          <p:cNvSpPr>
+            <a:spLocks noGrp="1"/>
+          </p:cNvSpPr>
+          <p:nvPr>
+            <p:ph type="dt" idx="1"/>
+          </p:nvPr>
+        </p:nvSpPr>
+        <p:spPr>
+          <a:xfrm>
+            <a:off x="3884613" y="0"/>
+            <a:ext cx="2971800" cy="457200"/>
+          </a:xfrm>
+          <a:prstGeom prst="rect">
+            <a:avLst/>
+          </a:prstGeom>
+        </p:spPr>
+        <p:txBody>
+          <a:bodyPr vert="horz" lIns="91440" tIns="45720" rIns="91440" bIns="45720" rtlCol="0"/>
+          <a:lstStyle>
+            <a:lvl1pPr algn="r">
+              <a:defRPr sz="1200"/>
+            </a:lvl1pPr>
+          </a:lstStyle>
+          <a:p>
+            <a:fld id="{E9E0A30B-0D20-4D78-B86F-2645B8C967CD}" type="datetimeFigureOut">
+              <a:rPr lang="en-AU" smtClean="0"/>
+              <a:t>24/08/2015</a:t>
+            </a:fld>
+            <a:endParaRPr lang="en-AU"/>
+          </a:p>
+        </p:txBody>
+      </p:sp>
+      <p:sp>
+        <p:nvSpPr>
+          <p:cNvPr id="4" name="Slide Image Placeholder 3"/>
+          <p:cNvSpPr>
+            <a:spLocks noGrp="1" noRot="1" noChangeAspect="1"/>
+          </p:cNvSpPr>
+          <p:nvPr>
+            <p:ph type="sldImg" idx="2"/>
+          </p:nvPr>
+        </p:nvSpPr>
+        <p:spPr>
+          <a:xfrm>
+            <a:off x="1143000" y="685800"/>
+            <a:ext cx="4572000" cy="3429000"/>
+          </a:xfrm>
+          <a:prstGeom prst="rect">
+            <a:avLst/>
+          </a:prstGeom>
+          <a:noFill/>
+          <a:ln w="12700">
+            <a:solidFill>
+              <a:prstClr val="black"/>
+            </a:solidFill>
+          </a:ln>
+        </p:spPr>
+        <p:txBody>
+          <a:bodyPr vert="horz" lIns="91440" tIns="45720" rIns="91440" bIns="45720" rtlCol="0" anchor="ctr"/>
+          <a:lstStyle/>
+          <a:p>
+            <a:endParaRPr lang="en-AU"/>
+          </a:p>
+        </p:txBody>
+      </p:sp>
+      <p:sp>
+        <p:nvSpPr>
+          <p:cNvPr id="5" name="Notes Placeholder 4"/>
+          <p:cNvSpPr>
+            <a:spLocks noGrp="1"/>
+          </p:cNvSpPr>
+          <p:nvPr>
+            <p:ph type="body" sz="quarter" idx="3"/>
+          </p:nvPr>
+        </p:nvSpPr>
+        <p:spPr>
+          <a:xfrm>
+            <a:off x="685800" y="4343400"/>
+            <a:ext cx="5486400" cy="4114800"/>
+          </a:xfrm>
+          <a:prstGeom prst="rect">
+            <a:avLst/>
+          </a:prstGeom>
+        </p:spPr>
+        <p:txBody>
+          <a:bodyPr vert="horz" lIns="91440" tIns="45720" rIns="91440" bIns="45720" rtlCol="0">
+            <a:normAutofit/>
+          </a:bodyPr>
+          <a:lstStyle/>
+          <a:p>
+            <a:pPr lvl="0"/>
+            <a:r>
+              <a:rPr lang="en-US" smtClean="0"/>
+              <a:t>Click to edit Master text styles</a:t>
+            </a:r>
+          </a:p>
+          <a:p>
+            <a:pPr lvl="1"/>
+            <a:r>
+              <a:rPr lang="en-US" smtClean="0"/>
+              <a:t>Second level</a:t>
+            </a:r>
+          </a:p>
+          <a:p>
+            <a:pPr lvl="2"/>
+            <a:r>
+              <a:rPr lang="en-US" smtClean="0"/>
+              <a:t>Third level</a:t>
+            </a:r>
+          </a:p>
+          <a:p>
+            <a:pPr lvl="3"/>
+            <a:r>
+              <a:rPr lang="en-US" smtClean="0"/>
+              <a:t>Fourth level</a:t>
+            </a:r>
+          </a:p>
+          <a:p>
+            <a:pPr lvl="4"/>
+            <a:r>
+              <a:rPr lang="en-US" smtClean="0"/>
+              <a:t>Fifth level</a:t>
+            </a:r>
+            <a:endParaRPr lang="en-AU"/>
+          </a:p>
+        </p:txBody>
+      </p:sp>
+      <p:sp>
+        <p:nvSpPr>
+          <p:cNvPr id="6" name="Footer Placeholder 5"/>
+          <p:cNvSpPr>
+            <a:spLocks noGrp="1"/>
+          </p:cNvSpPr>
+          <p:nvPr>
+            <p:ph type="ftr" sz="quarter" idx="4"/>
+          </p:nvPr>
+        </p:nvSpPr>
+        <p:spPr>
+          <a:xfrm>
+            <a:off x="0" y="8685213"/>
+            <a:ext cx="2971800" cy="457200"/>
+          </a:xfrm>
+          <a:prstGeom prst="rect">
+            <a:avLst/>
+          </a:prstGeom>
+        </p:spPr>
+        <p:txBody>
+          <a:bodyPr vert="horz" lIns="91440" tIns="45720" rIns="91440" bIns="45720" rtlCol="0" anchor="b"/>
+          <a:lstStyle>
+            <a:lvl1pPr algn="l">
+              <a:defRPr sz="1200"/>
+            </a:lvl1pPr>
+          </a:lstStyle>
+          <a:p>
+            <a:endParaRPr lang="en-AU"/>
+          </a:p>
+        </p:txBody>
+      </p:sp>
+      <p:sp>
+        <p:nvSpPr>
+          <p:cNvPr id="7" name="Slide Number Placeholder 6"/>
+          <p:cNvSpPr>
+            <a:spLocks noGrp="1"/>
+          </p:cNvSpPr>
+          <p:nvPr>
+            <p:ph type="sldNum" sz="quarter" idx="5"/>
+          </p:nvPr>
+        </p:nvSpPr>
+        <p:spPr>
+          <a:xfrm>
+            <a:off x="3884613" y="8685213"/>
+            <a:ext cx="2971800" cy="457200"/>
+          </a:xfrm>
+          <a:prstGeom prst="rect">
+            <a:avLst/>
+          </a:prstGeom>
+        </p:spPr>
+        <p:txBody>
+          <a:bodyPr vert="horz" lIns="91440" tIns="45720" rIns="91440" bIns="45720" rtlCol="0" anchor="b"/>
+          <a:lstStyle>
+            <a:lvl1pPr algn="r">
+              <a:defRPr sz="1200"/>
+            </a:lvl1pPr>
+          </a:lstStyle>
+          <a:p>
+            <a:fld id="{432BDBBD-0A6A-40AF-A666-5CD0D94FF316}" type="slidenum">
+              <a:rPr lang="en-AU" smtClean="0"/>
+              <a:t>‹#›</a:t>
+            </a:fld>
+            <a:endParaRPr lang="en-AU"/>
+          </a:p>
+        </p:txBody>
+      </p:sp>
+    </p:spTree>
+  </p:cSld>
+  <p:clrMap bg1="lt1" tx1="dk1" bg2="lt2" tx2="dk2" accent1="accent1" accent2="accent2" accent3="accent3" accent4="accent4" accent5="accent5" accent6="accent6" hlink="hlink" folHlink="folHlink"/>
+  <p:notesStyle>
+    <a:lvl1pPr marL="0" algn="l" defTabSz="914400" rtl="0" eaLnBrk="1" latinLnBrk="0" hangingPunct="1">
+      <a:defRPr sz="1200" kern="1200">
+        <a:solidFill>
+          <a:schemeClr val="tx1"/>
+        </a:solidFill>
+        <a:latin typeface="+mn-lt"/>
+        <a:ea typeface="+mn-ea"/>
+        <a:cs typeface="+mn-cs"/>
+      </a:defRPr>
+    </a:lvl1pPr>
+    <a:lvl2pPr marL="457200" algn="l" defTabSz="914400" rtl="0" eaLnBrk="1" latinLnBrk="0" hangingPunct="1">
+      <a:defRPr sz="1200" kern="1200">
+        <a:solidFill>
+          <a:schemeClr val="tx1"/>
+        </a:solidFill>
+        <a:latin typeface="+mn-lt"/>
+        <a:ea typeface="+mn-ea"/>
+        <a:cs typeface="+mn-cs"/>
+      </a:defRPr>
+    </a:lvl2pPr>
+    <a:lvl3pPr marL="914400" algn="l" defTabSz="914400" rtl="0" eaLnBrk="1" latinLnBrk="0" hangingPunct="1">
+      <a:defRPr sz="1200" kern="1200">
+        <a:solidFill>
+          <a:schemeClr val="tx1"/>
+        </a:solidFill>
+        <a:latin typeface="+mn-lt"/>
+        <a:ea typeface="+mn-ea"/>
+        <a:cs typeface="+mn-cs"/>
+      </a:defRPr>
+    </a:lvl3pPr>
+    <a:lvl4pPr marL="1371600" algn="l" defTabSz="914400" rtl="0" eaLnBrk="1" latinLnBrk="0" hangingPunct="1">
+      <a:defRPr sz="1200" kern="1200">
+        <a:solidFill>
+          <a:schemeClr val="tx1"/>
+        </a:solidFill>
+        <a:latin typeface="+mn-lt"/>
+        <a:ea typeface="+mn-ea"/>
+        <a:cs typeface="+mn-cs"/>
+      </a:defRPr>
+    </a:lvl4pPr>
+    <a:lvl5pPr marL="1828800" algn="l" defTabSz="914400" rtl="0" eaLnBrk="1" latinLnBrk="0" hangingPunct="1">
+      <a:defRPr sz="1200" kern="1200">
+        <a:solidFill>
+          <a:schemeClr val="tx1"/>
+        </a:solidFill>
+        <a:latin typeface="+mn-lt"/>
+        <a:ea typeface="+mn-ea"/>
+        <a:cs typeface="+mn-cs"/>
+      </a:defRPr>
+    </a:lvl5pPr>
+    <a:lvl6pPr marL="2286000" algn="l" defTabSz="914400" rtl="0" eaLnBrk="1" latinLnBrk="0" hangingPunct="1">
+      <a:defRPr sz="1200" kern="1200">
+        <a:solidFill>
+          <a:schemeClr val="tx1"/>
+        </a:solidFill>
+        <a:latin typeface="+mn-lt"/>
+        <a:ea typeface="+mn-ea"/>
+        <a:cs typeface="+mn-cs"/>
+      </a:defRPr>
+    </a:lvl6pPr>
+    <a:lvl7pPr marL="2743200" algn="l" defTabSz="914400" rtl="0" eaLnBrk="1" latinLnBrk="0" hangingPunct="1">
+      <a:defRPr sz="1200" kern="1200">
+        <a:solidFill>
+          <a:schemeClr val="tx1"/>
+        </a:solidFill>
+        <a:latin typeface="+mn-lt"/>
+        <a:ea typeface="+mn-ea"/>
+        <a:cs typeface="+mn-cs"/>
+      </a:defRPr>
+    </a:lvl7pPr>
+    <a:lvl8pPr marL="3200400" algn="l" defTabSz="914400" rtl="0" eaLnBrk="1" latinLnBrk="0" hangingPunct="1">
+      <a:defRPr sz="1200" kern="1200">
+        <a:solidFill>
+          <a:schemeClr val="tx1"/>
+        </a:solidFill>
+        <a:latin typeface="+mn-lt"/>
+        <a:ea typeface="+mn-ea"/>
+        <a:cs typeface="+mn-cs"/>
+      </a:defRPr>
+    </a:lvl8pPr>
+    <a:lvl9pPr marL="3657600" algn="l" defTabSz="914400" rtl="0" eaLnBrk="1" latinLnBrk="0" hangingPunct="1">
+      <a:defRPr sz="1200" kern="1200">
+        <a:solidFill>
+          <a:schemeClr val="tx1"/>
+        </a:solidFill>
+        <a:latin typeface="+mn-lt"/>
+        <a:ea typeface="+mn-ea"/>
+        <a:cs typeface="+mn-cs"/>
+      </a:defRPr>
+    </a:lvl9pPr>
+  </p:notesStyle>
+</p:notesMaster>
+</file>
+
+<file path=ppt/notesSlides/notesSlide1.xml><?xml version="1.0" encoding="utf-8"?>
+<p:notes xmlns:a="http://schemas.openxmlformats.org/drawingml/2006/main" xmlns:r="http://schemas.openxmlformats.org/officeDocument/2006/relationships" xmlns:p="http://schemas.openxmlformats.org/presentationml/2006/main">
+  <p:cSld>
+    <p:spTree>
+      <p:nvGrpSpPr>
+        <p:cNvPr id="1" name=""/>
+        <p:cNvGrpSpPr/>
+        <p:nvPr/>
+      </p:nvGrpSpPr>
+      <p:grpSpPr>
+        <a:xfrm>
+          <a:off x="0" y="0"/>
+          <a:ext cx="0" cy="0"/>
+          <a:chOff x="0" y="0"/>
+          <a:chExt cx="0" cy="0"/>
+        </a:xfrm>
+      </p:grpSpPr>
+      <p:sp>
+        <p:nvSpPr>
+          <p:cNvPr id="2" name="Slide Image Placeholder 1"/>
+          <p:cNvSpPr>
+            <a:spLocks noGrp="1" noRot="1" noChangeAspect="1"/>
+          </p:cNvSpPr>
+          <p:nvPr>
+            <p:ph type="sldImg"/>
+          </p:nvPr>
+        </p:nvSpPr>
+        <p:spPr/>
+      </p:sp>
+      <p:sp>
+        <p:nvSpPr>
+          <p:cNvPr id="3" name="Notes Placeholder 2"/>
+          <p:cNvSpPr>
+            <a:spLocks noGrp="1"/>
+          </p:cNvSpPr>
+          <p:nvPr>
+            <p:ph type="body" idx="1"/>
+          </p:nvPr>
+        </p:nvSpPr>
+        <p:spPr/>
+        <p:txBody>
+          <a:bodyPr>
+            <a:normAutofit/>
+          </a:bodyPr>
+          <a:lstStyle/>
+          <a:p>
+            <a:endParaRPr lang="en-AU" dirty="0"/>
+          </a:p>
+        </p:txBody>
+      </p:sp>
+      <p:sp>
+        <p:nvSpPr>
+          <p:cNvPr id="4" name="Slide Number Placeholder 3"/>
+          <p:cNvSpPr>
+            <a:spLocks noGrp="1"/>
+          </p:cNvSpPr>
+          <p:nvPr>
+            <p:ph type="sldNum" sz="quarter" idx="10"/>
+          </p:nvPr>
+        </p:nvSpPr>
+        <p:spPr/>
+        <p:txBody>
+          <a:bodyPr/>
+          <a:lstStyle/>
+          <a:p>
+            <a:fld id="{432BDBBD-0A6A-40AF-A666-5CD0D94FF316}" type="slidenum">
+              <a:rPr lang="en-AU" smtClean="0"/>
+              <a:t>2</a:t>
+            </a:fld>
+            <a:endParaRPr lang="en-AU"/>
+          </a:p>
+        </p:txBody>
+      </p:sp>
+    </p:spTree>
+  </p:cSld>
+  <p:clrMapOvr>
+    <a:masterClrMapping/>
+  </p:clrMapOvr>
+</p:notes>
+</file>
+
 <file path=ppt/slideLayouts/slideLayout1.xml><?xml version="1.0" encoding="utf-8"?>
 <p:sldLayout xmlns:a="http://schemas.openxmlformats.org/drawingml/2006/main" xmlns:r="http://schemas.openxmlformats.org/officeDocument/2006/relationships" xmlns:p="http://schemas.openxmlformats.org/presentationml/2006/main" type="title" preserve="1">
   <p:cSld name="Title Slide">
@@ -296,7 +727,7 @@
             <a:fld id="{17074768-A26C-4270-8C2E-A4B81BFC9560}" type="datetimeFigureOut">
               <a:rPr lang="en-AU" smtClean="0"/>
               <a:pPr/>
-              <a:t>15/08/2015</a:t>
+              <a:t>24/08/2015</a:t>
             </a:fld>
             <a:endParaRPr lang="en-AU"/>
           </a:p>
@@ -463,7 +894,7 @@
             <a:fld id="{17074768-A26C-4270-8C2E-A4B81BFC9560}" type="datetimeFigureOut">
               <a:rPr lang="en-AU" smtClean="0"/>
               <a:pPr/>
-              <a:t>15/08/2015</a:t>
+              <a:t>24/08/2015</a:t>
             </a:fld>
             <a:endParaRPr lang="en-AU"/>
           </a:p>
@@ -640,7 +1071,7 @@
             <a:fld id="{17074768-A26C-4270-8C2E-A4B81BFC9560}" type="datetimeFigureOut">
               <a:rPr lang="en-AU" smtClean="0"/>
               <a:pPr/>
-              <a:t>15/08/2015</a:t>
+              <a:t>24/08/2015</a:t>
             </a:fld>
             <a:endParaRPr lang="en-AU"/>
           </a:p>
@@ -807,7 +1238,7 @@
             <a:fld id="{17074768-A26C-4270-8C2E-A4B81BFC9560}" type="datetimeFigureOut">
               <a:rPr lang="en-AU" smtClean="0"/>
               <a:pPr/>
-              <a:t>15/08/2015</a:t>
+              <a:t>24/08/2015</a:t>
             </a:fld>
             <a:endParaRPr lang="en-AU"/>
           </a:p>
@@ -1050,7 +1481,7 @@
             <a:fld id="{17074768-A26C-4270-8C2E-A4B81BFC9560}" type="datetimeFigureOut">
               <a:rPr lang="en-AU" smtClean="0"/>
               <a:pPr/>
-              <a:t>15/08/2015</a:t>
+              <a:t>24/08/2015</a:t>
             </a:fld>
             <a:endParaRPr lang="en-AU"/>
           </a:p>
@@ -1335,7 +1766,7 @@
             <a:fld id="{17074768-A26C-4270-8C2E-A4B81BFC9560}" type="datetimeFigureOut">
               <a:rPr lang="en-AU" smtClean="0"/>
               <a:pPr/>
-              <a:t>15/08/2015</a:t>
+              <a:t>24/08/2015</a:t>
             </a:fld>
             <a:endParaRPr lang="en-AU"/>
           </a:p>
@@ -1754,7 +2185,7 @@
             <a:fld id="{17074768-A26C-4270-8C2E-A4B81BFC9560}" type="datetimeFigureOut">
               <a:rPr lang="en-AU" smtClean="0"/>
               <a:pPr/>
-              <a:t>15/08/2015</a:t>
+              <a:t>24/08/2015</a:t>
             </a:fld>
             <a:endParaRPr lang="en-AU"/>
           </a:p>
@@ -1869,7 +2300,7 @@
             <a:fld id="{17074768-A26C-4270-8C2E-A4B81BFC9560}" type="datetimeFigureOut">
               <a:rPr lang="en-AU" smtClean="0"/>
               <a:pPr/>
-              <a:t>15/08/2015</a:t>
+              <a:t>24/08/2015</a:t>
             </a:fld>
             <a:endParaRPr lang="en-AU"/>
           </a:p>
@@ -1961,7 +2392,7 @@
             <a:fld id="{17074768-A26C-4270-8C2E-A4B81BFC9560}" type="datetimeFigureOut">
               <a:rPr lang="en-AU" smtClean="0"/>
               <a:pPr/>
-              <a:t>15/08/2015</a:t>
+              <a:t>24/08/2015</a:t>
             </a:fld>
             <a:endParaRPr lang="en-AU"/>
           </a:p>
@@ -2235,7 +2666,7 @@
             <a:fld id="{17074768-A26C-4270-8C2E-A4B81BFC9560}" type="datetimeFigureOut">
               <a:rPr lang="en-AU" smtClean="0"/>
               <a:pPr/>
-              <a:t>15/08/2015</a:t>
+              <a:t>24/08/2015</a:t>
             </a:fld>
             <a:endParaRPr lang="en-AU"/>
           </a:p>
@@ -2485,7 +2916,7 @@
             <a:fld id="{17074768-A26C-4270-8C2E-A4B81BFC9560}" type="datetimeFigureOut">
               <a:rPr lang="en-AU" smtClean="0"/>
               <a:pPr/>
-              <a:t>15/08/2015</a:t>
+              <a:t>24/08/2015</a:t>
             </a:fld>
             <a:endParaRPr lang="en-AU"/>
           </a:p>
@@ -2695,7 +3126,7 @@
             <a:fld id="{17074768-A26C-4270-8C2E-A4B81BFC9560}" type="datetimeFigureOut">
               <a:rPr lang="en-AU" smtClean="0"/>
               <a:pPr/>
-              <a:t>15/08/2015</a:t>
+              <a:t>24/08/2015</a:t>
             </a:fld>
             <a:endParaRPr lang="en-AU"/>
           </a:p>
@@ -3545,6 +3976,65 @@
       </p:grpSpPr>
       <p:sp>
         <p:nvSpPr>
+          <p:cNvPr id="4" name="Rounded Rectangular Callout 3"/>
+          <p:cNvSpPr/>
+          <p:nvPr/>
+        </p:nvSpPr>
+        <p:spPr>
+          <a:xfrm>
+            <a:off x="395536" y="1268760"/>
+            <a:ext cx="8568952" cy="4248472"/>
+          </a:xfrm>
+          <a:prstGeom prst="wedgeRoundRectCallout">
+            <a:avLst>
+              <a:gd name="adj1" fmla="val 673"/>
+              <a:gd name="adj2" fmla="val 64487"/>
+              <a:gd name="adj3" fmla="val 16667"/>
+            </a:avLst>
+          </a:prstGeom>
+          <a:solidFill>
+            <a:schemeClr val="tx1">
+              <a:lumMod val="95000"/>
+              <a:lumOff val="5000"/>
+              <a:alpha val="65000"/>
+            </a:schemeClr>
+          </a:solidFill>
+          <a:ln>
+            <a:solidFill>
+              <a:schemeClr val="tx1">
+                <a:lumMod val="65000"/>
+                <a:lumOff val="35000"/>
+              </a:schemeClr>
+            </a:solidFill>
+          </a:ln>
+        </p:spPr>
+        <p:style>
+          <a:lnRef idx="2">
+            <a:schemeClr val="accent1">
+              <a:shade val="50000"/>
+            </a:schemeClr>
+          </a:lnRef>
+          <a:fillRef idx="1">
+            <a:schemeClr val="accent1"/>
+          </a:fillRef>
+          <a:effectRef idx="0">
+            <a:schemeClr val="accent1"/>
+          </a:effectRef>
+          <a:fontRef idx="minor">
+            <a:schemeClr val="lt1"/>
+          </a:fontRef>
+        </p:style>
+        <p:txBody>
+          <a:bodyPr rtlCol="0" anchor="ctr"/>
+          <a:lstStyle/>
+          <a:p>
+            <a:pPr algn="ctr"/>
+            <a:endParaRPr lang="en-AU"/>
+          </a:p>
+        </p:txBody>
+      </p:sp>
+      <p:sp>
+        <p:nvSpPr>
           <p:cNvPr id="2" name="Title 1"/>
           <p:cNvSpPr txBox="1">
             <a:spLocks/>
@@ -3553,8 +4043,8 @@
         </p:nvSpPr>
         <p:spPr>
           <a:xfrm>
-            <a:off x="395536" y="1340768"/>
-            <a:ext cx="8568952" cy="4176464"/>
+            <a:off x="971600" y="1268760"/>
+            <a:ext cx="7416824" cy="4248472"/>
           </a:xfrm>
           <a:prstGeom prst="rect">
             <a:avLst/>
@@ -3584,7 +4074,7 @@
               <a:defRPr/>
             </a:pPr>
             <a:r>
-              <a:rPr kumimoji="0" lang="en-AU" sz="15000" b="1" i="0" u="none" strike="noStrike" kern="1200" cap="none" spc="0" normalizeH="0" baseline="0" noProof="0" dirty="0" smtClean="0">
+              <a:rPr kumimoji="0" lang="en-AU" sz="13000" b="1" i="0" u="none" strike="noStrike" kern="1200" cap="none" spc="0" normalizeH="0" baseline="0" noProof="0" dirty="0" smtClean="0">
                 <a:ln>
                   <a:noFill/>
                 </a:ln>
@@ -3609,14 +4099,12 @@
               <a:t>H</a:t>
             </a:r>
             <a:r>
-              <a:rPr kumimoji="0" lang="en-AU" sz="15000" i="0" u="none" strike="noStrike" kern="1200" cap="none" spc="0" normalizeH="0" baseline="0" noProof="0" dirty="0" smtClean="0">
+              <a:rPr kumimoji="0" lang="en-AU" sz="13000" i="0" u="none" strike="noStrike" kern="1200" cap="none" spc="0" normalizeH="0" baseline="0" noProof="0" dirty="0" smtClean="0">
                 <a:ln>
                   <a:noFill/>
                 </a:ln>
                 <a:solidFill>
-                  <a:schemeClr val="bg1">
-                    <a:lumMod val="95000"/>
-                  </a:schemeClr>
+                  <a:schemeClr val="bg1"/>
                 </a:solidFill>
                 <a:effectLst>
                   <a:outerShdw blurRad="38100" dist="38100" dir="2700000" algn="tl">
@@ -3634,7 +4122,7 @@
               <a:t>ighfield</a:t>
             </a:r>
             <a:r>
-              <a:rPr kumimoji="0" lang="en-AU" sz="15000" b="1" i="0" u="none" strike="noStrike" kern="1200" cap="none" spc="0" normalizeH="0" baseline="0" noProof="0" dirty="0" smtClean="0">
+              <a:rPr kumimoji="0" lang="en-AU" sz="13000" b="1" i="0" u="none" strike="noStrike" kern="1200" cap="none" spc="0" normalizeH="0" baseline="0" noProof="0" dirty="0" smtClean="0">
                 <a:ln>
                   <a:noFill/>
                 </a:ln>
@@ -3660,7 +4148,7 @@
               <a:t/>
             </a:r>
             <a:br>
-              <a:rPr kumimoji="0" lang="en-AU" sz="15000" b="1" i="0" u="none" strike="noStrike" kern="1200" cap="none" spc="0" normalizeH="0" baseline="0" noProof="0" dirty="0" smtClean="0">
+              <a:rPr kumimoji="0" lang="en-AU" sz="13000" b="1" i="0" u="none" strike="noStrike" kern="1200" cap="none" spc="0" normalizeH="0" baseline="0" noProof="0" dirty="0" smtClean="0">
                 <a:ln>
                   <a:noFill/>
                 </a:ln>
@@ -3685,7 +4173,7 @@
               </a:rPr>
             </a:br>
             <a:r>
-              <a:rPr kumimoji="0" lang="en-AU" sz="15000" b="1" i="0" u="none" strike="noStrike" kern="1200" cap="none" spc="0" normalizeH="0" baseline="0" noProof="0" dirty="0" smtClean="0">
+              <a:rPr kumimoji="0" lang="en-AU" sz="13000" b="1" i="0" u="none" strike="noStrike" kern="1200" cap="none" spc="0" normalizeH="0" baseline="0" noProof="0" dirty="0" smtClean="0">
                 <a:ln>
                   <a:noFill/>
                 </a:ln>
@@ -3710,14 +4198,12 @@
               <a:t>T</a:t>
             </a:r>
             <a:r>
-              <a:rPr kumimoji="0" lang="en-AU" sz="15000" i="0" u="none" strike="noStrike" kern="1200" cap="none" spc="0" normalizeH="0" baseline="0" noProof="0" dirty="0" smtClean="0">
+              <a:rPr kumimoji="0" lang="en-AU" sz="13000" i="0" u="none" strike="noStrike" kern="1200" cap="none" spc="0" normalizeH="0" baseline="0" noProof="0" dirty="0" smtClean="0">
                 <a:ln>
                   <a:noFill/>
                 </a:ln>
                 <a:solidFill>
-                  <a:schemeClr val="bg1">
-                    <a:lumMod val="95000"/>
-                  </a:schemeClr>
+                  <a:schemeClr val="bg1"/>
                 </a:solidFill>
                 <a:effectLst>
                   <a:outerShdw blurRad="38100" dist="38100" dir="2700000" algn="tl">
@@ -3745,8 +4231,8 @@
         </p:nvCxnSpPr>
         <p:spPr>
           <a:xfrm>
-            <a:off x="467544" y="3645024"/>
-            <a:ext cx="8299938" cy="0"/>
+            <a:off x="1187624" y="3573016"/>
+            <a:ext cx="7056784" cy="14068"/>
           </a:xfrm>
           <a:prstGeom prst="line">
             <a:avLst/>
@@ -3754,7 +4240,7 @@
           <a:ln w="114300" cmpd="dbl">
             <a:solidFill>
               <a:schemeClr val="bg1">
-                <a:lumMod val="95000"/>
+                <a:lumMod val="85000"/>
               </a:schemeClr>
             </a:solidFill>
           </a:ln>
@@ -5376,4 +5862,287 @@
   <a:objectDefaults/>
   <a:extraClrSchemeLst/>
 </a:theme>
+</file>
+
+<file path=ppt/theme/theme2.xml><?xml version="1.0" encoding="utf-8"?>
+<a:theme xmlns:a="http://schemas.openxmlformats.org/drawingml/2006/main" name="Office Theme">
+  <a:themeElements>
+    <a:clrScheme name="Office">
+      <a:dk1>
+        <a:sysClr val="windowText" lastClr="000000"/>
+      </a:dk1>
+      <a:lt1>
+        <a:sysClr val="window" lastClr="FFFFFF"/>
+      </a:lt1>
+      <a:dk2>
+        <a:srgbClr val="1F497D"/>
+      </a:dk2>
+      <a:lt2>
+        <a:srgbClr val="EEECE1"/>
+      </a:lt2>
+      <a:accent1>
+        <a:srgbClr val="4F81BD"/>
+      </a:accent1>
+      <a:accent2>
+        <a:srgbClr val="C0504D"/>
+      </a:accent2>
+      <a:accent3>
+        <a:srgbClr val="9BBB59"/>
+      </a:accent3>
+      <a:accent4>
+        <a:srgbClr val="8064A2"/>
+      </a:accent4>
+      <a:accent5>
+        <a:srgbClr val="4BACC6"/>
+      </a:accent5>
+      <a:accent6>
+        <a:srgbClr val="F79646"/>
+      </a:accent6>
+      <a:hlink>
+        <a:srgbClr val="0000FF"/>
+      </a:hlink>
+      <a:folHlink>
+        <a:srgbClr val="800080"/>
+      </a:folHlink>
+    </a:clrScheme>
+    <a:fontScheme name="Office">
+      <a:majorFont>
+        <a:latin typeface="Calibri"/>
+        <a:ea typeface=""/>
+        <a:cs typeface=""/>
+        <a:font script="Jpan" typeface="ＭＳ Ｐゴシック"/>
+        <a:font script="Hang" typeface="맑은 고딕"/>
+        <a:font script="Hans" typeface="宋体"/>
+        <a:font script="Hant" typeface="新細明體"/>
+        <a:font script="Arab" typeface="Times New Roman"/>
+        <a:font script="Hebr" typeface="Times New Roman"/>
+        <a:font script="Thai" typeface="Angsana New"/>
+        <a:font script="Ethi" typeface="Nyala"/>
+        <a:font script="Beng" typeface="Vrinda"/>
+        <a:font script="Gujr" typeface="Shruti"/>
+        <a:font script="Khmr" typeface="MoolBoran"/>
+        <a:font script="Knda" typeface="Tunga"/>
+        <a:font script="Guru" typeface="Raavi"/>
+        <a:font script="Cans" typeface="Euphemia"/>
+        <a:font script="Cher" typeface="Plantagenet Cherokee"/>
+        <a:font script="Yiii" typeface="Microsoft Yi Baiti"/>
+        <a:font script="Tibt" typeface="Microsoft Himalaya"/>
+        <a:font script="Thaa" typeface="MV Boli"/>
+        <a:font script="Deva" typeface="Mangal"/>
+        <a:font script="Telu" typeface="Gautami"/>
+        <a:font script="Taml" typeface="Latha"/>
+        <a:font script="Syrc" typeface="Estrangelo Edessa"/>
+        <a:font script="Orya" typeface="Kalinga"/>
+        <a:font script="Mlym" typeface="Kartika"/>
+        <a:font script="Laoo" typeface="DokChampa"/>
+        <a:font script="Sinh" typeface="Iskoola Pota"/>
+        <a:font script="Mong" typeface="Mongolian Baiti"/>
+        <a:font script="Viet" typeface="Times New Roman"/>
+        <a:font script="Uigh" typeface="Microsoft Uighur"/>
+      </a:majorFont>
+      <a:minorFont>
+        <a:latin typeface="Calibri"/>
+        <a:ea typeface=""/>
+        <a:cs typeface=""/>
+        <a:font script="Jpan" typeface="ＭＳ Ｐゴシック"/>
+        <a:font script="Hang" typeface="맑은 고딕"/>
+        <a:font script="Hans" typeface="宋体"/>
+        <a:font script="Hant" typeface="新細明體"/>
+        <a:font script="Arab" typeface="Arial"/>
+        <a:font script="Hebr" typeface="Arial"/>
+        <a:font script="Thai" typeface="Cordia New"/>
+        <a:font script="Ethi" typeface="Nyala"/>
+        <a:font script="Beng" typeface="Vrinda"/>
+        <a:font script="Gujr" typeface="Shruti"/>
+        <a:font script="Khmr" typeface="DaunPenh"/>
+        <a:font script="Knda" typeface="Tunga"/>
+        <a:font script="Guru" typeface="Raavi"/>
+        <a:font script="Cans" typeface="Euphemia"/>
+        <a:font script="Cher" typeface="Plantagenet Cherokee"/>
+        <a:font script="Yiii" typeface="Microsoft Yi Baiti"/>
+        <a:font script="Tibt" typeface="Microsoft Himalaya"/>
+        <a:font script="Thaa" typeface="MV Boli"/>
+        <a:font script="Deva" typeface="Mangal"/>
+        <a:font script="Telu" typeface="Gautami"/>
+        <a:font script="Taml" typeface="Latha"/>
+        <a:font script="Syrc" typeface="Estrangelo Edessa"/>
+        <a:font script="Orya" typeface="Kalinga"/>
+        <a:font script="Mlym" typeface="Kartika"/>
+        <a:font script="Laoo" typeface="DokChampa"/>
+        <a:font script="Sinh" typeface="Iskoola Pota"/>
+        <a:font script="Mong" typeface="Mongolian Baiti"/>
+        <a:font script="Viet" typeface="Arial"/>
+        <a:font script="Uigh" typeface="Microsoft Uighur"/>
+      </a:minorFont>
+    </a:fontScheme>
+    <a:fmtScheme name="Office">
+      <a:fillStyleLst>
+        <a:solidFill>
+          <a:schemeClr val="phClr"/>
+        </a:solidFill>
+        <a:gradFill rotWithShape="1">
+          <a:gsLst>
+            <a:gs pos="0">
+              <a:schemeClr val="phClr">
+                <a:tint val="50000"/>
+                <a:satMod val="300000"/>
+              </a:schemeClr>
+            </a:gs>
+            <a:gs pos="35000">
+              <a:schemeClr val="phClr">
+                <a:tint val="37000"/>
+                <a:satMod val="300000"/>
+              </a:schemeClr>
+            </a:gs>
+            <a:gs pos="100000">
+              <a:schemeClr val="phClr">
+                <a:tint val="15000"/>
+                <a:satMod val="350000"/>
+              </a:schemeClr>
+            </a:gs>
+          </a:gsLst>
+          <a:lin ang="16200000" scaled="1"/>
+        </a:gradFill>
+        <a:gradFill rotWithShape="1">
+          <a:gsLst>
+            <a:gs pos="0">
+              <a:schemeClr val="phClr">
+                <a:shade val="51000"/>
+                <a:satMod val="130000"/>
+              </a:schemeClr>
+            </a:gs>
+            <a:gs pos="80000">
+              <a:schemeClr val="phClr">
+                <a:shade val="93000"/>
+                <a:satMod val="130000"/>
+              </a:schemeClr>
+            </a:gs>
+            <a:gs pos="100000">
+              <a:schemeClr val="phClr">
+                <a:shade val="94000"/>
+                <a:satMod val="135000"/>
+              </a:schemeClr>
+            </a:gs>
+          </a:gsLst>
+          <a:lin ang="16200000" scaled="0"/>
+        </a:gradFill>
+      </a:fillStyleLst>
+      <a:lnStyleLst>
+        <a:ln w="9525" cap="flat" cmpd="sng" algn="ctr">
+          <a:solidFill>
+            <a:schemeClr val="phClr">
+              <a:shade val="95000"/>
+              <a:satMod val="105000"/>
+            </a:schemeClr>
+          </a:solidFill>
+          <a:prstDash val="solid"/>
+        </a:ln>
+        <a:ln w="25400" cap="flat" cmpd="sng" algn="ctr">
+          <a:solidFill>
+            <a:schemeClr val="phClr"/>
+          </a:solidFill>
+          <a:prstDash val="solid"/>
+        </a:ln>
+        <a:ln w="38100" cap="flat" cmpd="sng" algn="ctr">
+          <a:solidFill>
+            <a:schemeClr val="phClr"/>
+          </a:solidFill>
+          <a:prstDash val="solid"/>
+        </a:ln>
+      </a:lnStyleLst>
+      <a:effectStyleLst>
+        <a:effectStyle>
+          <a:effectLst>
+            <a:outerShdw blurRad="40000" dist="20000" dir="5400000" rotWithShape="0">
+              <a:srgbClr val="000000">
+                <a:alpha val="38000"/>
+              </a:srgbClr>
+            </a:outerShdw>
+          </a:effectLst>
+        </a:effectStyle>
+        <a:effectStyle>
+          <a:effectLst>
+            <a:outerShdw blurRad="40000" dist="23000" dir="5400000" rotWithShape="0">
+              <a:srgbClr val="000000">
+                <a:alpha val="35000"/>
+              </a:srgbClr>
+            </a:outerShdw>
+          </a:effectLst>
+        </a:effectStyle>
+        <a:effectStyle>
+          <a:effectLst>
+            <a:outerShdw blurRad="40000" dist="23000" dir="5400000" rotWithShape="0">
+              <a:srgbClr val="000000">
+                <a:alpha val="35000"/>
+              </a:srgbClr>
+            </a:outerShdw>
+          </a:effectLst>
+          <a:scene3d>
+            <a:camera prst="orthographicFront">
+              <a:rot lat="0" lon="0" rev="0"/>
+            </a:camera>
+            <a:lightRig rig="threePt" dir="t">
+              <a:rot lat="0" lon="0" rev="1200000"/>
+            </a:lightRig>
+          </a:scene3d>
+          <a:sp3d>
+            <a:bevelT w="63500" h="25400"/>
+          </a:sp3d>
+        </a:effectStyle>
+      </a:effectStyleLst>
+      <a:bgFillStyleLst>
+        <a:solidFill>
+          <a:schemeClr val="phClr"/>
+        </a:solidFill>
+        <a:gradFill rotWithShape="1">
+          <a:gsLst>
+            <a:gs pos="0">
+              <a:schemeClr val="phClr">
+                <a:tint val="40000"/>
+                <a:satMod val="350000"/>
+              </a:schemeClr>
+            </a:gs>
+            <a:gs pos="40000">
+              <a:schemeClr val="phClr">
+                <a:tint val="45000"/>
+                <a:shade val="99000"/>
+                <a:satMod val="350000"/>
+              </a:schemeClr>
+            </a:gs>
+            <a:gs pos="100000">
+              <a:schemeClr val="phClr">
+                <a:shade val="20000"/>
+                <a:satMod val="255000"/>
+              </a:schemeClr>
+            </a:gs>
+          </a:gsLst>
+          <a:path path="circle">
+            <a:fillToRect l="50000" t="-80000" r="50000" b="180000"/>
+          </a:path>
+        </a:gradFill>
+        <a:gradFill rotWithShape="1">
+          <a:gsLst>
+            <a:gs pos="0">
+              <a:schemeClr val="phClr">
+                <a:tint val="80000"/>
+                <a:satMod val="300000"/>
+              </a:schemeClr>
+            </a:gs>
+            <a:gs pos="100000">
+              <a:schemeClr val="phClr">
+                <a:shade val="30000"/>
+                <a:satMod val="200000"/>
+              </a:schemeClr>
+            </a:gs>
+          </a:gsLst>
+          <a:path path="circle">
+            <a:fillToRect l="50000" t="50000" r="50000" b="50000"/>
+          </a:path>
+        </a:gradFill>
+      </a:bgFillStyleLst>
+    </a:fmtScheme>
+  </a:themeElements>
+  <a:objectDefaults/>
+  <a:extraClrSchemeLst/>
+</a:theme>
 </file>